--- a/ppt/Python04-Functions.pptx
+++ b/ppt/Python04-Functions.pptx
@@ -5,10 +5,10 @@
     <p:sldMasterId id="2147483653" r:id="rId1"/>
   </p:sldMasterIdLst>
   <p:notesMasterIdLst>
-    <p:notesMasterId r:id="rId12"/>
+    <p:notesMasterId r:id="rId10"/>
   </p:notesMasterIdLst>
   <p:handoutMasterIdLst>
-    <p:handoutMasterId r:id="rId13"/>
+    <p:handoutMasterId r:id="rId11"/>
   </p:handoutMasterIdLst>
   <p:sldIdLst>
     <p:sldId id="264" r:id="rId2"/>
@@ -16,11 +16,9 @@
     <p:sldId id="266" r:id="rId4"/>
     <p:sldId id="267" r:id="rId5"/>
     <p:sldId id="275" r:id="rId6"/>
-    <p:sldId id="268" r:id="rId7"/>
-    <p:sldId id="270" r:id="rId8"/>
-    <p:sldId id="272" r:id="rId9"/>
-    <p:sldId id="273" r:id="rId10"/>
-    <p:sldId id="269" r:id="rId11"/>
+    <p:sldId id="272" r:id="rId7"/>
+    <p:sldId id="273" r:id="rId8"/>
+    <p:sldId id="269" r:id="rId9"/>
   </p:sldIdLst>
   <p:sldSz cx="9144000" cy="6858000" type="screen4x3"/>
   <p:notesSz cx="6648450" cy="9782175"/>
@@ -613,35 +611,35 @@
           <a:p>
             <a:pPr lvl="0"/>
             <a:r>
-              <a:rPr lang="fr-FR" noProof="0" smtClean="0"/>
+              <a:rPr lang="fr-FR" noProof="0"/>
               <a:t>Cliquez pour modifier les styles du texte du masque</a:t>
             </a:r>
           </a:p>
           <a:p>
             <a:pPr lvl="1"/>
             <a:r>
-              <a:rPr lang="fr-FR" noProof="0" smtClean="0"/>
+              <a:rPr lang="fr-FR" noProof="0"/>
               <a:t>Deuxième niveau</a:t>
             </a:r>
           </a:p>
           <a:p>
             <a:pPr lvl="2"/>
             <a:r>
-              <a:rPr lang="fr-FR" noProof="0" smtClean="0"/>
+              <a:rPr lang="fr-FR" noProof="0"/>
               <a:t>Troisième niveau</a:t>
             </a:r>
           </a:p>
           <a:p>
             <a:pPr lvl="3"/>
             <a:r>
-              <a:rPr lang="fr-FR" noProof="0" smtClean="0"/>
+              <a:rPr lang="fr-FR" noProof="0"/>
               <a:t>Quatrième niveau</a:t>
             </a:r>
           </a:p>
           <a:p>
             <a:pPr lvl="4"/>
             <a:r>
-              <a:rPr lang="fr-FR" noProof="0" smtClean="0"/>
+              <a:rPr lang="fr-FR" noProof="0"/>
               <a:t>Cinquième niveau</a:t>
             </a:r>
           </a:p>
@@ -929,10 +927,9 @@
           <a:lstStyle/>
           <a:p>
             <a:r>
-              <a:rPr lang="fr-FR" smtClean="0"/>
+              <a:rPr lang="fr-FR"/>
               <a:t>Cliquez pour modifier le style du titre</a:t>
             </a:r>
-            <a:endParaRPr lang="fr-FR"/>
           </a:p>
         </p:txBody>
       </p:sp>
@@ -994,10 +991,9 @@
           </a:lstStyle>
           <a:p>
             <a:r>
-              <a:rPr lang="fr-FR" smtClean="0"/>
+              <a:rPr lang="fr-FR"/>
               <a:t>Cliquez pour modifier le style des sous-titres du masque</a:t>
             </a:r>
-            <a:endParaRPr lang="fr-FR"/>
           </a:p>
         </p:txBody>
       </p:sp>
@@ -1052,10 +1048,9 @@
           <a:lstStyle/>
           <a:p>
             <a:r>
-              <a:rPr lang="fr-FR" smtClean="0"/>
+              <a:rPr lang="fr-FR"/>
               <a:t>Cliquez pour modifier le style du titre</a:t>
             </a:r>
-            <a:endParaRPr lang="fr-FR"/>
           </a:p>
         </p:txBody>
       </p:sp>
@@ -1081,38 +1076,37 @@
           <a:p>
             <a:pPr lvl="0"/>
             <a:r>
-              <a:rPr lang="fr-FR" smtClean="0"/>
+              <a:rPr lang="fr-FR"/>
               <a:t>Cliquez pour modifier les styles du texte du masque</a:t>
             </a:r>
           </a:p>
           <a:p>
             <a:pPr lvl="1"/>
             <a:r>
-              <a:rPr lang="fr-FR" smtClean="0"/>
+              <a:rPr lang="fr-FR"/>
               <a:t>Deuxième niveau</a:t>
             </a:r>
           </a:p>
           <a:p>
             <a:pPr lvl="2"/>
             <a:r>
-              <a:rPr lang="fr-FR" smtClean="0"/>
+              <a:rPr lang="fr-FR"/>
               <a:t>Troisième niveau</a:t>
             </a:r>
           </a:p>
           <a:p>
             <a:pPr lvl="3"/>
             <a:r>
-              <a:rPr lang="fr-FR" smtClean="0"/>
+              <a:rPr lang="fr-FR"/>
               <a:t>Quatrième niveau</a:t>
             </a:r>
           </a:p>
           <a:p>
             <a:pPr lvl="4"/>
             <a:r>
-              <a:rPr lang="fr-FR" smtClean="0"/>
+              <a:rPr lang="fr-FR"/>
               <a:t>Cinquième niveau</a:t>
             </a:r>
-            <a:endParaRPr lang="fr-FR"/>
           </a:p>
         </p:txBody>
       </p:sp>
@@ -1171,10 +1165,9 @@
           </a:lstStyle>
           <a:p>
             <a:r>
-              <a:rPr lang="fr-FR" dirty="0" smtClean="0"/>
+              <a:rPr lang="fr-FR" dirty="0"/>
               <a:t>Cliquez pour modifier le style du titre</a:t>
             </a:r>
-            <a:endParaRPr lang="fr-FR" dirty="0"/>
           </a:p>
         </p:txBody>
       </p:sp>
@@ -1200,38 +1193,37 @@
           <a:p>
             <a:pPr lvl="0"/>
             <a:r>
-              <a:rPr lang="fr-FR" dirty="0" smtClean="0"/>
+              <a:rPr lang="fr-FR" dirty="0"/>
               <a:t>Cliquez pour modifier les styles du texte du masque</a:t>
             </a:r>
           </a:p>
           <a:p>
             <a:pPr lvl="1"/>
             <a:r>
-              <a:rPr lang="fr-FR" dirty="0" smtClean="0"/>
+              <a:rPr lang="fr-FR" dirty="0"/>
               <a:t>Deuxième niveau</a:t>
             </a:r>
           </a:p>
           <a:p>
             <a:pPr lvl="2"/>
             <a:r>
-              <a:rPr lang="fr-FR" dirty="0" smtClean="0"/>
+              <a:rPr lang="fr-FR" dirty="0"/>
               <a:t>Troisième niveau</a:t>
             </a:r>
           </a:p>
           <a:p>
             <a:pPr lvl="3"/>
             <a:r>
-              <a:rPr lang="fr-FR" dirty="0" smtClean="0"/>
+              <a:rPr lang="fr-FR" dirty="0"/>
               <a:t>Quatrième niveau</a:t>
             </a:r>
           </a:p>
           <a:p>
             <a:pPr lvl="4"/>
             <a:r>
-              <a:rPr lang="fr-FR" dirty="0" smtClean="0"/>
+              <a:rPr lang="fr-FR" dirty="0"/>
               <a:t>Cinquième niveau</a:t>
             </a:r>
-            <a:endParaRPr lang="fr-FR" dirty="0"/>
           </a:p>
         </p:txBody>
       </p:sp>
@@ -1281,10 +1273,9 @@
           <a:lstStyle/>
           <a:p>
             <a:r>
-              <a:rPr lang="fr-FR" smtClean="0"/>
+              <a:rPr lang="fr-FR"/>
               <a:t>Cliquez pour modifier le style du titre</a:t>
             </a:r>
-            <a:endParaRPr lang="fr-FR"/>
           </a:p>
         </p:txBody>
       </p:sp>
@@ -1338,38 +1329,37 @@
           <a:p>
             <a:pPr lvl="0"/>
             <a:r>
-              <a:rPr lang="fr-FR" smtClean="0"/>
+              <a:rPr lang="fr-FR"/>
               <a:t>Cliquez pour modifier les styles du texte du masque</a:t>
             </a:r>
           </a:p>
           <a:p>
             <a:pPr lvl="1"/>
             <a:r>
-              <a:rPr lang="fr-FR" smtClean="0"/>
+              <a:rPr lang="fr-FR"/>
               <a:t>Deuxième niveau</a:t>
             </a:r>
           </a:p>
           <a:p>
             <a:pPr lvl="2"/>
             <a:r>
-              <a:rPr lang="fr-FR" smtClean="0"/>
+              <a:rPr lang="fr-FR"/>
               <a:t>Troisième niveau</a:t>
             </a:r>
           </a:p>
           <a:p>
             <a:pPr lvl="3"/>
             <a:r>
-              <a:rPr lang="fr-FR" smtClean="0"/>
+              <a:rPr lang="fr-FR"/>
               <a:t>Quatrième niveau</a:t>
             </a:r>
           </a:p>
           <a:p>
             <a:pPr lvl="4"/>
             <a:r>
-              <a:rPr lang="fr-FR" smtClean="0"/>
+              <a:rPr lang="fr-FR"/>
               <a:t>Cinquième niveau</a:t>
             </a:r>
-            <a:endParaRPr lang="fr-FR"/>
           </a:p>
         </p:txBody>
       </p:sp>
@@ -1423,38 +1413,37 @@
           <a:p>
             <a:pPr lvl="0"/>
             <a:r>
-              <a:rPr lang="fr-FR" smtClean="0"/>
+              <a:rPr lang="fr-FR"/>
               <a:t>Cliquez pour modifier les styles du texte du masque</a:t>
             </a:r>
           </a:p>
           <a:p>
             <a:pPr lvl="1"/>
             <a:r>
-              <a:rPr lang="fr-FR" smtClean="0"/>
+              <a:rPr lang="fr-FR"/>
               <a:t>Deuxième niveau</a:t>
             </a:r>
           </a:p>
           <a:p>
             <a:pPr lvl="2"/>
             <a:r>
-              <a:rPr lang="fr-FR" smtClean="0"/>
+              <a:rPr lang="fr-FR"/>
               <a:t>Troisième niveau</a:t>
             </a:r>
           </a:p>
           <a:p>
             <a:pPr lvl="3"/>
             <a:r>
-              <a:rPr lang="fr-FR" smtClean="0"/>
+              <a:rPr lang="fr-FR"/>
               <a:t>Quatrième niveau</a:t>
             </a:r>
           </a:p>
           <a:p>
             <a:pPr lvl="4"/>
             <a:r>
-              <a:rPr lang="fr-FR" smtClean="0"/>
+              <a:rPr lang="fr-FR"/>
               <a:t>Cinquième niveau</a:t>
             </a:r>
-            <a:endParaRPr lang="fr-FR"/>
           </a:p>
         </p:txBody>
       </p:sp>
@@ -1513,10 +1502,9 @@
           </a:lstStyle>
           <a:p>
             <a:r>
-              <a:rPr lang="fr-FR" smtClean="0"/>
+              <a:rPr lang="fr-FR"/>
               <a:t>Cliquez pour modifier le style du titre</a:t>
             </a:r>
-            <a:endParaRPr lang="fr-FR"/>
           </a:p>
         </p:txBody>
       </p:sp>
@@ -1579,7 +1567,7 @@
           <a:p>
             <a:pPr lvl="0"/>
             <a:r>
-              <a:rPr lang="fr-FR" smtClean="0"/>
+              <a:rPr lang="fr-FR"/>
               <a:t>Cliquez pour modifier les styles du texte du masque</a:t>
             </a:r>
           </a:p>
@@ -1635,38 +1623,37 @@
           <a:p>
             <a:pPr lvl="0"/>
             <a:r>
-              <a:rPr lang="fr-FR" smtClean="0"/>
+              <a:rPr lang="fr-FR"/>
               <a:t>Cliquez pour modifier les styles du texte du masque</a:t>
             </a:r>
           </a:p>
           <a:p>
             <a:pPr lvl="1"/>
             <a:r>
-              <a:rPr lang="fr-FR" smtClean="0"/>
+              <a:rPr lang="fr-FR"/>
               <a:t>Deuxième niveau</a:t>
             </a:r>
           </a:p>
           <a:p>
             <a:pPr lvl="2"/>
             <a:r>
-              <a:rPr lang="fr-FR" smtClean="0"/>
+              <a:rPr lang="fr-FR"/>
               <a:t>Troisième niveau</a:t>
             </a:r>
           </a:p>
           <a:p>
             <a:pPr lvl="3"/>
             <a:r>
-              <a:rPr lang="fr-FR" smtClean="0"/>
+              <a:rPr lang="fr-FR"/>
               <a:t>Quatrième niveau</a:t>
             </a:r>
           </a:p>
           <a:p>
             <a:pPr lvl="4"/>
             <a:r>
-              <a:rPr lang="fr-FR" smtClean="0"/>
+              <a:rPr lang="fr-FR"/>
               <a:t>Cinquième niveau</a:t>
             </a:r>
-            <a:endParaRPr lang="fr-FR"/>
           </a:p>
         </p:txBody>
       </p:sp>
@@ -1729,7 +1716,7 @@
           <a:p>
             <a:pPr lvl="0"/>
             <a:r>
-              <a:rPr lang="fr-FR" smtClean="0"/>
+              <a:rPr lang="fr-FR"/>
               <a:t>Cliquez pour modifier les styles du texte du masque</a:t>
             </a:r>
           </a:p>
@@ -1785,38 +1772,37 @@
           <a:p>
             <a:pPr lvl="0"/>
             <a:r>
-              <a:rPr lang="fr-FR" smtClean="0"/>
+              <a:rPr lang="fr-FR"/>
               <a:t>Cliquez pour modifier les styles du texte du masque</a:t>
             </a:r>
           </a:p>
           <a:p>
             <a:pPr lvl="1"/>
             <a:r>
-              <a:rPr lang="fr-FR" smtClean="0"/>
+              <a:rPr lang="fr-FR"/>
               <a:t>Deuxième niveau</a:t>
             </a:r>
           </a:p>
           <a:p>
             <a:pPr lvl="2"/>
             <a:r>
-              <a:rPr lang="fr-FR" smtClean="0"/>
+              <a:rPr lang="fr-FR"/>
               <a:t>Troisième niveau</a:t>
             </a:r>
           </a:p>
           <a:p>
             <a:pPr lvl="3"/>
             <a:r>
-              <a:rPr lang="fr-FR" smtClean="0"/>
+              <a:rPr lang="fr-FR"/>
               <a:t>Quatrième niveau</a:t>
             </a:r>
           </a:p>
           <a:p>
             <a:pPr lvl="4"/>
             <a:r>
-              <a:rPr lang="fr-FR" smtClean="0"/>
+              <a:rPr lang="fr-FR"/>
               <a:t>Cinquième niveau</a:t>
             </a:r>
-            <a:endParaRPr lang="fr-FR"/>
           </a:p>
         </p:txBody>
       </p:sp>
@@ -1866,10 +1852,9 @@
           <a:lstStyle/>
           <a:p>
             <a:r>
-              <a:rPr lang="fr-FR" smtClean="0"/>
+              <a:rPr lang="fr-FR"/>
               <a:t>Cliquez pour modifier le style du titre</a:t>
             </a:r>
-            <a:endParaRPr lang="fr-FR"/>
           </a:p>
         </p:txBody>
       </p:sp>
@@ -1958,10 +1943,9 @@
           </a:lstStyle>
           <a:p>
             <a:r>
-              <a:rPr lang="fr-FR" smtClean="0"/>
+              <a:rPr lang="fr-FR"/>
               <a:t>Cliquez pour modifier le style du titre</a:t>
             </a:r>
-            <a:endParaRPr lang="fr-FR"/>
           </a:p>
         </p:txBody>
       </p:sp>
@@ -2015,38 +1999,37 @@
           <a:p>
             <a:pPr lvl="0"/>
             <a:r>
-              <a:rPr lang="fr-FR" smtClean="0"/>
+              <a:rPr lang="fr-FR"/>
               <a:t>Cliquez pour modifier les styles du texte du masque</a:t>
             </a:r>
           </a:p>
           <a:p>
             <a:pPr lvl="1"/>
             <a:r>
-              <a:rPr lang="fr-FR" smtClean="0"/>
+              <a:rPr lang="fr-FR"/>
               <a:t>Deuxième niveau</a:t>
             </a:r>
           </a:p>
           <a:p>
             <a:pPr lvl="2"/>
             <a:r>
-              <a:rPr lang="fr-FR" smtClean="0"/>
+              <a:rPr lang="fr-FR"/>
               <a:t>Troisième niveau</a:t>
             </a:r>
           </a:p>
           <a:p>
             <a:pPr lvl="3"/>
             <a:r>
-              <a:rPr lang="fr-FR" smtClean="0"/>
+              <a:rPr lang="fr-FR"/>
               <a:t>Quatrième niveau</a:t>
             </a:r>
           </a:p>
           <a:p>
             <a:pPr lvl="4"/>
             <a:r>
-              <a:rPr lang="fr-FR" smtClean="0"/>
+              <a:rPr lang="fr-FR"/>
               <a:t>Cinquième niveau</a:t>
             </a:r>
-            <a:endParaRPr lang="fr-FR"/>
           </a:p>
         </p:txBody>
       </p:sp>
@@ -2109,7 +2092,7 @@
           <a:p>
             <a:pPr lvl="0"/>
             <a:r>
-              <a:rPr lang="fr-FR" smtClean="0"/>
+              <a:rPr lang="fr-FR"/>
               <a:t>Cliquez pour modifier les styles du texte du masque</a:t>
             </a:r>
           </a:p>
@@ -2170,10 +2153,9 @@
           </a:lstStyle>
           <a:p>
             <a:r>
-              <a:rPr lang="fr-FR" smtClean="0"/>
+              <a:rPr lang="fr-FR"/>
               <a:t>Cliquez pour modifier le style du titre</a:t>
             </a:r>
-            <a:endParaRPr lang="fr-FR"/>
           </a:p>
         </p:txBody>
       </p:sp>
@@ -2235,7 +2217,7 @@
           </a:lstStyle>
           <a:p>
             <a:pPr lvl="0"/>
-            <a:endParaRPr lang="fr-FR" noProof="0" smtClean="0"/>
+            <a:endParaRPr lang="fr-FR" noProof="0"/>
           </a:p>
         </p:txBody>
       </p:sp>
@@ -2298,7 +2280,7 @@
           <a:p>
             <a:pPr lvl="0"/>
             <a:r>
-              <a:rPr lang="fr-FR" smtClean="0"/>
+              <a:rPr lang="fr-FR"/>
               <a:t>Cliquez pour modifier les styles du texte du masque</a:t>
             </a:r>
           </a:p>
@@ -2350,10 +2332,9 @@
           <a:lstStyle/>
           <a:p>
             <a:r>
-              <a:rPr lang="fr-FR" smtClean="0"/>
+              <a:rPr lang="fr-FR"/>
               <a:t>Cliquez pour modifier le style du titre</a:t>
             </a:r>
-            <a:endParaRPr lang="fr-FR"/>
           </a:p>
         </p:txBody>
       </p:sp>
@@ -2374,38 +2355,37 @@
           <a:p>
             <a:pPr lvl="0"/>
             <a:r>
-              <a:rPr lang="fr-FR" smtClean="0"/>
+              <a:rPr lang="fr-FR"/>
               <a:t>Cliquez pour modifier les styles du texte du masque</a:t>
             </a:r>
           </a:p>
           <a:p>
             <a:pPr lvl="1"/>
             <a:r>
-              <a:rPr lang="fr-FR" smtClean="0"/>
+              <a:rPr lang="fr-FR"/>
               <a:t>Deuxième niveau</a:t>
             </a:r>
           </a:p>
           <a:p>
             <a:pPr lvl="2"/>
             <a:r>
-              <a:rPr lang="fr-FR" smtClean="0"/>
+              <a:rPr lang="fr-FR"/>
               <a:t>Troisième niveau</a:t>
             </a:r>
           </a:p>
           <a:p>
             <a:pPr lvl="3"/>
             <a:r>
-              <a:rPr lang="fr-FR" smtClean="0"/>
+              <a:rPr lang="fr-FR"/>
               <a:t>Quatrième niveau</a:t>
             </a:r>
           </a:p>
           <a:p>
             <a:pPr lvl="4"/>
             <a:r>
-              <a:rPr lang="fr-FR" smtClean="0"/>
+              <a:rPr lang="fr-FR"/>
               <a:t>Cinquième niveau</a:t>
             </a:r>
-            <a:endParaRPr lang="fr-FR"/>
           </a:p>
         </p:txBody>
       </p:sp>
@@ -2586,7 +2566,7 @@
             <a:pPr eaLnBrk="1" hangingPunct="1">
               <a:defRPr/>
             </a:pPr>
-            <a:endParaRPr lang="fr-FR" altLang="fr-FR" smtClean="0"/>
+            <a:endParaRPr lang="fr-FR" altLang="fr-FR"/>
           </a:p>
         </p:txBody>
       </p:sp>
@@ -2740,7 +2720,7 @@
               <a:defRPr/>
             </a:pPr>
             <a:r>
-              <a:rPr lang="fr-FR" sz="1200" dirty="0" smtClean="0"/>
+              <a:rPr lang="fr-FR" sz="1200" dirty="0"/>
               <a:t>Page </a:t>
             </a:r>
             <a:fld id="{E218E9B1-FD08-4C80-902E-210BA2967D0D}" type="slidenum">
@@ -2753,7 +2733,7 @@
               </a:pPr>
               <a:t>‹N°›</a:t>
             </a:fld>
-            <a:endParaRPr lang="fr-FR" dirty="0" smtClean="0">
+            <a:endParaRPr lang="fr-FR" dirty="0">
               <a:latin typeface="Times New Roman" pitchFamily="18" charset="0"/>
             </a:endParaRPr>
           </a:p>
@@ -2909,10 +2889,10 @@
               <a:defRPr/>
             </a:pPr>
             <a:r>
-              <a:rPr lang="fr-FR" sz="1600" dirty="0" smtClean="0"/>
+              <a:rPr lang="fr-FR" sz="1600" dirty="0"/>
               <a:t>Python</a:t>
             </a:r>
-            <a:endParaRPr lang="fr-FR" dirty="0" smtClean="0">
+            <a:endParaRPr lang="fr-FR" dirty="0">
               <a:latin typeface="Times New Roman" pitchFamily="18" charset="0"/>
             </a:endParaRPr>
           </a:p>
@@ -2970,7 +2950,7 @@
           <a:p>
             <a:pPr lvl="0"/>
             <a:r>
-              <a:rPr lang="fr-FR" altLang="fr-FR" smtClean="0"/>
+              <a:rPr lang="fr-FR" altLang="fr-FR"/>
               <a:t>Cliquez pour modifier le style du titre du masque</a:t>
             </a:r>
           </a:p>
@@ -3028,35 +3008,35 @@
           <a:p>
             <a:pPr lvl="0"/>
             <a:r>
-              <a:rPr lang="fr-FR" altLang="fr-FR" smtClean="0"/>
+              <a:rPr lang="fr-FR" altLang="fr-FR"/>
               <a:t>Cliquez pour modifier les styles du texte du masque</a:t>
             </a:r>
           </a:p>
           <a:p>
             <a:pPr lvl="1"/>
             <a:r>
-              <a:rPr lang="fr-FR" altLang="fr-FR" smtClean="0"/>
+              <a:rPr lang="fr-FR" altLang="fr-FR"/>
               <a:t>Deuxième niveau</a:t>
             </a:r>
           </a:p>
           <a:p>
             <a:pPr lvl="2"/>
             <a:r>
-              <a:rPr lang="fr-FR" altLang="fr-FR" smtClean="0"/>
+              <a:rPr lang="fr-FR" altLang="fr-FR"/>
               <a:t>Troisième niveau</a:t>
             </a:r>
           </a:p>
           <a:p>
             <a:pPr lvl="3"/>
             <a:r>
-              <a:rPr lang="fr-FR" altLang="fr-FR" smtClean="0"/>
+              <a:rPr lang="fr-FR" altLang="fr-FR"/>
               <a:t>Quatrième niveau</a:t>
             </a:r>
           </a:p>
           <a:p>
             <a:pPr lvl="4"/>
             <a:r>
-              <a:rPr lang="fr-FR" altLang="fr-FR" smtClean="0"/>
+              <a:rPr lang="fr-FR" altLang="fr-FR"/>
               <a:t>Cinquième niveau</a:t>
             </a:r>
           </a:p>
@@ -3212,10 +3192,10 @@
               <a:defRPr/>
             </a:pPr>
             <a:r>
-              <a:rPr lang="fr-FR" sz="1200" smtClean="0"/>
+              <a:rPr lang="fr-FR" sz="1200"/>
               <a:t>© Cyril Vincent Conseil</a:t>
             </a:r>
-            <a:endParaRPr lang="fr-FR" smtClean="0">
+            <a:endParaRPr lang="fr-FR">
               <a:latin typeface="Times New Roman" pitchFamily="18" charset="0"/>
             </a:endParaRPr>
           </a:p>
@@ -3697,15 +3677,15 @@
           <a:p>
             <a:pPr eaLnBrk="1" hangingPunct="1"/>
             <a:r>
-              <a:rPr lang="fr-FR" altLang="fr-FR" smtClean="0"/>
+              <a:rPr lang="fr-FR" altLang="fr-FR"/>
               <a:t>Chapitre 4</a:t>
             </a:r>
-            <a:endParaRPr lang="fr-FR" altLang="fr-FR" dirty="0" smtClean="0"/>
+            <a:endParaRPr lang="fr-FR" altLang="fr-FR" dirty="0"/>
           </a:p>
           <a:p>
             <a:pPr eaLnBrk="1" hangingPunct="1"/>
             <a:r>
-              <a:rPr lang="fr-FR" altLang="fr-FR" dirty="0" smtClean="0"/>
+              <a:rPr lang="fr-FR" altLang="fr-FR" dirty="0"/>
               <a:t>Fonctions</a:t>
             </a:r>
           </a:p>
@@ -3757,216 +3737,6 @@
   <p:clrMapOvr>
     <a:masterClrMapping/>
   </p:clrMapOvr>
-  <p:timing>
-    <p:tnLst>
-      <p:par>
-        <p:cTn id="1" dur="indefinite" restart="never" nodeType="tmRoot"/>
-      </p:par>
-    </p:tnLst>
-  </p:timing>
-</p:sld>
-</file>
-
-<file path=ppt/slides/slide10.xml><?xml version="1.0" encoding="utf-8"?>
-<p:sld xmlns:a="http://schemas.openxmlformats.org/drawingml/2006/main" xmlns:r="http://schemas.openxmlformats.org/officeDocument/2006/relationships" xmlns:p="http://schemas.openxmlformats.org/presentationml/2006/main">
-  <p:cSld>
-    <p:spTree>
-      <p:nvGrpSpPr>
-        <p:cNvPr id="1" name=""/>
-        <p:cNvGrpSpPr/>
-        <p:nvPr/>
-      </p:nvGrpSpPr>
-      <p:grpSpPr>
-        <a:xfrm>
-          <a:off x="0" y="0"/>
-          <a:ext cx="0" cy="0"/>
-          <a:chOff x="0" y="0"/>
-          <a:chExt cx="0" cy="0"/>
-        </a:xfrm>
-      </p:grpSpPr>
-      <p:sp>
-        <p:nvSpPr>
-          <p:cNvPr id="2" name="Titre 1"/>
-          <p:cNvSpPr>
-            <a:spLocks noGrp="1"/>
-          </p:cNvSpPr>
-          <p:nvPr>
-            <p:ph type="title"/>
-          </p:nvPr>
-        </p:nvSpPr>
-        <p:spPr/>
-        <p:txBody>
-          <a:bodyPr/>
-          <a:lstStyle/>
-          <a:p>
-            <a:r>
-              <a:rPr lang="fr-FR" dirty="0" smtClean="0"/>
-              <a:t>Fonctions lambda</a:t>
-            </a:r>
-            <a:endParaRPr lang="fr-FR" dirty="0"/>
-          </a:p>
-        </p:txBody>
-      </p:sp>
-      <p:sp>
-        <p:nvSpPr>
-          <p:cNvPr id="3" name="Espace réservé du contenu 2"/>
-          <p:cNvSpPr>
-            <a:spLocks noGrp="1"/>
-          </p:cNvSpPr>
-          <p:nvPr>
-            <p:ph idx="1"/>
-          </p:nvPr>
-        </p:nvSpPr>
-        <p:spPr/>
-        <p:txBody>
-          <a:bodyPr/>
-          <a:lstStyle/>
-          <a:p>
-            <a:r>
-              <a:rPr lang="fr-FR" dirty="0" smtClean="0"/>
-              <a:t>Il s’agit d’une écriture simplifiée d’une fonction</a:t>
-            </a:r>
-          </a:p>
-          <a:p>
-            <a:pPr lvl="1"/>
-            <a:r>
-              <a:rPr lang="fr-FR" dirty="0" smtClean="0"/>
-              <a:t>Très utile pour les fonctions arithmétiques</a:t>
-            </a:r>
-          </a:p>
-          <a:p>
-            <a:pPr lvl="1"/>
-            <a:r>
-              <a:rPr lang="fr-FR" dirty="0" smtClean="0"/>
-              <a:t>Permet </a:t>
-            </a:r>
-            <a:r>
-              <a:rPr lang="fr-FR" smtClean="0"/>
-              <a:t>de stocker </a:t>
-            </a:r>
-            <a:r>
-              <a:rPr lang="fr-FR" dirty="0" smtClean="0"/>
-              <a:t>dans une variable une fonction</a:t>
-            </a:r>
-          </a:p>
-          <a:p>
-            <a:pPr eaLnBrk="1" hangingPunct="1"/>
-            <a:r>
-              <a:rPr lang="fr-BE" altLang="fr-FR" dirty="0"/>
-              <a:t>Avec le mot-clé « lambda », de petites fonctions anonymes peuvent être </a:t>
-            </a:r>
-            <a:r>
-              <a:rPr lang="fr-BE" altLang="fr-FR" dirty="0" smtClean="0"/>
-              <a:t>crées</a:t>
-            </a:r>
-          </a:p>
-          <a:p>
-            <a:pPr lvl="1" eaLnBrk="1" hangingPunct="1"/>
-            <a:r>
-              <a:rPr lang="fr-BE" altLang="fr-FR" dirty="0" smtClean="0"/>
-              <a:t>Elles </a:t>
-            </a:r>
-            <a:r>
-              <a:rPr lang="fr-BE" altLang="fr-FR" dirty="0"/>
-              <a:t>sont limitées syntaxiquement à une expression unique.</a:t>
-            </a:r>
-          </a:p>
-          <a:p>
-            <a:pPr lvl="1" eaLnBrk="1" hangingPunct="1"/>
-            <a:r>
-              <a:rPr lang="fr-BE" altLang="fr-FR" dirty="0"/>
-              <a:t>Ex : </a:t>
-            </a:r>
-            <a:r>
-              <a:rPr lang="fr-BE" altLang="fr-FR" dirty="0">
-                <a:solidFill>
-                  <a:schemeClr val="accent2"/>
-                </a:solidFill>
-              </a:rPr>
-              <a:t>f=lambda </a:t>
-            </a:r>
-            <a:r>
-              <a:rPr lang="fr-BE" altLang="fr-FR" dirty="0" err="1">
-                <a:solidFill>
-                  <a:schemeClr val="accent2"/>
-                </a:solidFill>
-              </a:rPr>
-              <a:t>x,y,z</a:t>
-            </a:r>
-            <a:r>
-              <a:rPr lang="fr-BE" altLang="fr-FR" dirty="0">
-                <a:solidFill>
-                  <a:schemeClr val="accent2"/>
-                </a:solidFill>
-              </a:rPr>
-              <a:t>: </a:t>
-            </a:r>
-            <a:r>
-              <a:rPr lang="fr-BE" altLang="fr-FR" dirty="0" err="1">
-                <a:solidFill>
-                  <a:schemeClr val="accent2"/>
-                </a:solidFill>
-              </a:rPr>
-              <a:t>x+y+z</a:t>
-            </a:r>
-            <a:endParaRPr lang="fr-BE" altLang="fr-FR" dirty="0">
-              <a:solidFill>
-                <a:schemeClr val="accent2"/>
-              </a:solidFill>
-            </a:endParaRPr>
-          </a:p>
-          <a:p>
-            <a:pPr lvl="1" eaLnBrk="1" hangingPunct="1"/>
-            <a:r>
-              <a:rPr lang="fr-BE" altLang="fr-FR" dirty="0">
-                <a:solidFill>
-                  <a:schemeClr val="accent2"/>
-                </a:solidFill>
-              </a:rPr>
-              <a:t>       f(2,3,4)</a:t>
-            </a:r>
-          </a:p>
-          <a:p>
-            <a:pPr lvl="1" eaLnBrk="1" hangingPunct="1"/>
-            <a:r>
-              <a:rPr lang="fr-BE" altLang="fr-FR" dirty="0"/>
-              <a:t>       ce qui donne : </a:t>
-            </a:r>
-            <a:r>
-              <a:rPr lang="fr-BE" altLang="fr-FR" dirty="0">
-                <a:solidFill>
-                  <a:schemeClr val="accent2"/>
-                </a:solidFill>
-              </a:rPr>
-              <a:t>9</a:t>
-            </a:r>
-            <a:r>
-              <a:rPr lang="fr-BE" altLang="fr-FR" dirty="0"/>
-              <a:t> </a:t>
-            </a:r>
-          </a:p>
-          <a:p>
-            <a:endParaRPr lang="fr-FR" dirty="0"/>
-          </a:p>
-        </p:txBody>
-      </p:sp>
-    </p:spTree>
-    <p:extLst>
-      <p:ext uri="{BB962C8B-B14F-4D97-AF65-F5344CB8AC3E}">
-        <p14:creationId xmlns:p14="http://schemas.microsoft.com/office/powerpoint/2010/main" val="3470353668"/>
-      </p:ext>
-    </p:extLst>
-  </p:cSld>
-  <p:clrMapOvr>
-    <a:masterClrMapping/>
-  </p:clrMapOvr>
-  <p:timing>
-    <p:tnLst>
-      <p:par>
-        <p:cTn id="1" dur="indefinite" restart="never" nodeType="tmRoot"/>
-      </p:par>
-    </p:tnLst>
-  </p:timing>
 </p:sld>
 </file>
 
@@ -4003,10 +3773,9 @@
           <a:lstStyle/>
           <a:p>
             <a:r>
-              <a:rPr lang="fr-FR" dirty="0" smtClean="0"/>
+              <a:rPr lang="fr-FR" dirty="0"/>
               <a:t>Fonctions</a:t>
             </a:r>
-            <a:endParaRPr lang="fr-FR" dirty="0"/>
           </a:p>
         </p:txBody>
       </p:sp>
@@ -4036,13 +3805,8 @@
             </a:r>
             <a:r>
               <a:rPr lang="fr-BE" altLang="fr-FR" dirty="0"/>
-              <a:t> </a:t>
-            </a:r>
-            <a:r>
-              <a:rPr lang="fr-BE" altLang="fr-FR" dirty="0" smtClean="0"/>
-              <a:t>».</a:t>
-            </a:r>
-            <a:endParaRPr lang="fr-BE" altLang="fr-FR" dirty="0"/>
+              <a:t> ».</a:t>
+            </a:r>
           </a:p>
           <a:p>
             <a:pPr marL="0" indent="0" eaLnBrk="1" hangingPunct="1">
@@ -4053,7 +3817,7 @@
               <a:t>        </a:t>
             </a:r>
             <a:r>
-              <a:rPr lang="fr-BE" altLang="fr-FR" dirty="0" err="1" smtClean="0">
+              <a:rPr lang="fr-BE" altLang="fr-FR" dirty="0" err="1">
                 <a:solidFill>
                   <a:schemeClr val="accent2"/>
                 </a:solidFill>
@@ -4061,7 +3825,7 @@
               <a:t>def</a:t>
             </a:r>
             <a:r>
-              <a:rPr lang="fr-BE" altLang="fr-FR" dirty="0" smtClean="0">
+              <a:rPr lang="fr-BE" altLang="fr-FR" dirty="0">
                 <a:solidFill>
                   <a:schemeClr val="accent2"/>
                 </a:solidFill>
@@ -4124,25 +3888,17 @@
                   <a:schemeClr val="accent2"/>
                 </a:solidFill>
               </a:rPr>
-              <a:t>                            return &lt;valeur</a:t>
-            </a:r>
-            <a:r>
-              <a:rPr lang="fr-BE" altLang="fr-FR" dirty="0" smtClean="0">
-                <a:solidFill>
-                  <a:schemeClr val="accent2"/>
-                </a:solidFill>
-              </a:rPr>
-              <a:t>&gt;</a:t>
+              <a:t>                            return &lt;valeur&gt;</a:t>
             </a:r>
           </a:p>
           <a:p>
             <a:pPr eaLnBrk="1" hangingPunct="1"/>
             <a:r>
-              <a:rPr lang="fr-BE" altLang="fr-FR" dirty="0" smtClean="0"/>
+              <a:rPr lang="fr-BE" altLang="fr-FR" dirty="0"/>
               <a:t>La surcharge est </a:t>
             </a:r>
             <a:r>
-              <a:rPr lang="fr-BE" altLang="fr-FR" smtClean="0"/>
+              <a:rPr lang="fr-BE" altLang="fr-FR"/>
               <a:t>autorisée en Python 3</a:t>
             </a:r>
             <a:endParaRPr lang="fr-BE" altLang="fr-FR" dirty="0">
@@ -4177,13 +3933,6 @@
   <p:clrMapOvr>
     <a:masterClrMapping/>
   </p:clrMapOvr>
-  <p:timing>
-    <p:tnLst>
-      <p:par>
-        <p:cTn id="1" dur="indefinite" restart="never" nodeType="tmRoot"/>
-      </p:par>
-    </p:tnLst>
-  </p:timing>
 </p:sld>
 </file>
 
@@ -4220,10 +3969,9 @@
           <a:lstStyle/>
           <a:p>
             <a:r>
-              <a:rPr lang="fr-FR" dirty="0" smtClean="0"/>
+              <a:rPr lang="fr-FR" dirty="0"/>
               <a:t>Appel d’une fonction</a:t>
             </a:r>
-            <a:endParaRPr lang="fr-FR" dirty="0"/>
           </a:p>
         </p:txBody>
       </p:sp>
@@ -4259,7 +4007,7 @@
               <a:t>argn</a:t>
             </a:r>
             <a:r>
-              <a:rPr lang="fr-BE" altLang="fr-FR" dirty="0" smtClean="0"/>
+              <a:rPr lang="fr-BE" altLang="fr-FR" dirty="0"/>
               <a:t>)</a:t>
             </a:r>
           </a:p>
@@ -4269,16 +4017,12 @@
               <a:t>Les fonctions peuvent être appelées en utilisant des arguments mots-clés de la forme « </a:t>
             </a:r>
             <a:r>
-              <a:rPr lang="fr-BE" altLang="fr-FR" dirty="0" err="1" smtClean="0"/>
+              <a:rPr lang="fr-BE" altLang="fr-FR" dirty="0" err="1"/>
               <a:t>parametre</a:t>
             </a:r>
             <a:r>
-              <a:rPr lang="fr-BE" altLang="fr-FR" dirty="0" smtClean="0"/>
-              <a:t>=valeur</a:t>
-            </a:r>
-            <a:r>
               <a:rPr lang="fr-BE" altLang="fr-FR" dirty="0"/>
-              <a:t> »</a:t>
+              <a:t>=valeur »</a:t>
             </a:r>
           </a:p>
           <a:p>
@@ -4296,13 +4040,6 @@
   <p:clrMapOvr>
     <a:masterClrMapping/>
   </p:clrMapOvr>
-  <p:timing>
-    <p:tnLst>
-      <p:par>
-        <p:cTn id="1" dur="indefinite" restart="never" nodeType="tmRoot"/>
-      </p:par>
-    </p:tnLst>
-  </p:timing>
 </p:sld>
 </file>
 
@@ -4339,10 +4076,9 @@
           <a:lstStyle/>
           <a:p>
             <a:r>
-              <a:rPr lang="fr-FR" dirty="0" smtClean="0"/>
+              <a:rPr lang="fr-FR" dirty="0"/>
               <a:t>Paramètres par défauts</a:t>
             </a:r>
-            <a:endParaRPr lang="fr-FR" dirty="0"/>
           </a:p>
         </p:txBody>
       </p:sp>
@@ -4372,7 +4108,7 @@
               <a:buNone/>
             </a:pPr>
             <a:r>
-              <a:rPr lang="fr-BE" altLang="fr-FR" dirty="0" err="1" smtClean="0">
+              <a:rPr lang="fr-BE" altLang="fr-FR" dirty="0" err="1">
                 <a:solidFill>
                   <a:schemeClr val="accent2"/>
                 </a:solidFill>
@@ -4380,20 +4116,12 @@
               <a:t>def</a:t>
             </a:r>
             <a:r>
-              <a:rPr lang="fr-BE" altLang="fr-FR" dirty="0" smtClean="0">
+              <a:rPr lang="fr-BE" altLang="fr-FR" dirty="0">
                 <a:solidFill>
                   <a:schemeClr val="accent2"/>
                 </a:solidFill>
               </a:rPr>
-              <a:t> </a:t>
-            </a:r>
-            <a:r>
-              <a:rPr lang="fr-BE" altLang="fr-FR" dirty="0">
-                <a:solidFill>
-                  <a:schemeClr val="accent2"/>
-                </a:solidFill>
-              </a:rPr>
-              <a:t>perroquet (voltage, </a:t>
+              <a:t> perroquet (voltage, </a:t>
             </a:r>
             <a:r>
               <a:rPr lang="fr-BE" altLang="fr-FR" dirty="0" err="1">
@@ -4499,23 +4227,7 @@
                   <a:schemeClr val="accent2"/>
                 </a:solidFill>
               </a:rPr>
-              <a:t> « -- si </a:t>
-            </a:r>
-            <a:r>
-              <a:rPr lang="fr-BE" altLang="fr-FR" dirty="0" smtClean="0">
-                <a:solidFill>
-                  <a:schemeClr val="accent2"/>
-                </a:solidFill>
-              </a:rPr>
-              <a:t>vous </a:t>
-            </a:r>
-            <a:r>
-              <a:rPr lang="fr-BE" altLang="fr-FR" dirty="0">
-                <a:solidFill>
-                  <a:schemeClr val="accent2"/>
-                </a:solidFill>
-              </a:rPr>
-              <a:t>le mettez sous », voltage,  « volts. »</a:t>
+              <a:t> « -- si vous le mettez sous », voltage,  « volts. »</a:t>
             </a:r>
           </a:p>
           <a:p>
@@ -4630,13 +4342,6 @@
   <p:clrMapOvr>
     <a:masterClrMapping/>
   </p:clrMapOvr>
-  <p:timing>
-    <p:tnLst>
-      <p:par>
-        <p:cTn id="1" dur="indefinite" restart="never" nodeType="tmRoot"/>
-      </p:par>
-    </p:tnLst>
-  </p:timing>
 </p:sld>
 </file>
 
@@ -4673,10 +4378,9 @@
           <a:lstStyle/>
           <a:p>
             <a:r>
-              <a:rPr lang="fr-FR" dirty="0" smtClean="0"/>
+              <a:rPr lang="fr-FR" dirty="0"/>
               <a:t>Annotations de paramètres</a:t>
             </a:r>
-            <a:endParaRPr lang="fr-FR" dirty="0"/>
           </a:p>
         </p:txBody>
       </p:sp>
@@ -4696,79 +4400,14 @@
           <a:lstStyle/>
           <a:p>
             <a:r>
-              <a:rPr lang="fr-FR" dirty="0" smtClean="0"/>
+              <a:rPr lang="fr-FR" dirty="0"/>
               <a:t>Nouveau en Python 3.6</a:t>
             </a:r>
           </a:p>
           <a:p>
             <a:r>
-              <a:rPr lang="fr-FR" dirty="0" smtClean="0"/>
+              <a:rPr lang="fr-FR" dirty="0"/>
               <a:t>Possibilité de typer les paramètres</a:t>
-            </a:r>
-          </a:p>
-          <a:p>
-            <a:pPr lvl="1"/>
-            <a:r>
-              <a:rPr lang="fr-FR" dirty="0" err="1"/>
-              <a:t>d</a:t>
-            </a:r>
-            <a:r>
-              <a:rPr lang="fr-FR" dirty="0" err="1" smtClean="0"/>
-              <a:t>ef</a:t>
-            </a:r>
-            <a:r>
-              <a:rPr lang="fr-FR" dirty="0" smtClean="0"/>
-              <a:t> </a:t>
-            </a:r>
-            <a:r>
-              <a:rPr lang="fr-FR" dirty="0" err="1" smtClean="0"/>
-              <a:t>my_function</a:t>
-            </a:r>
-            <a:r>
-              <a:rPr lang="fr-FR" dirty="0" smtClean="0"/>
-              <a:t>(</a:t>
-            </a:r>
-            <a:r>
-              <a:rPr lang="fr-FR" dirty="0" err="1" smtClean="0"/>
-              <a:t>param</a:t>
-            </a:r>
-            <a:r>
-              <a:rPr lang="fr-FR" dirty="0" smtClean="0"/>
-              <a:t> : </a:t>
-            </a:r>
-            <a:r>
-              <a:rPr lang="fr-FR" dirty="0" err="1" smtClean="0"/>
-              <a:t>int</a:t>
-            </a:r>
-            <a:r>
-              <a:rPr lang="fr-FR" dirty="0" smtClean="0"/>
-              <a:t>) -&gt; </a:t>
-            </a:r>
-            <a:r>
-              <a:rPr lang="fr-FR" dirty="0" err="1" smtClean="0"/>
-              <a:t>int</a:t>
-            </a:r>
-            <a:endParaRPr lang="fr-FR" dirty="0" smtClean="0"/>
-          </a:p>
-          <a:p>
-            <a:pPr lvl="1"/>
-            <a:r>
-              <a:rPr lang="fr-FR" dirty="0" smtClean="0"/>
-              <a:t>Il ne s’agit pas d’un typage fort</a:t>
-            </a:r>
-          </a:p>
-          <a:p>
-            <a:pPr lvl="1"/>
-            <a:r>
-              <a:rPr lang="fr-FR" dirty="0" smtClean="0"/>
-              <a:t>C’est juste une annotation</a:t>
-            </a:r>
-          </a:p>
-          <a:p>
-            <a:pPr lvl="1"/>
-            <a:r>
-              <a:rPr lang="fr-FR" dirty="0" smtClean="0"/>
-              <a:t>Peut s’utiliser avec une valeur par défaut</a:t>
             </a:r>
           </a:p>
           <a:p>
@@ -4798,16 +4437,73 @@
               <a:t> : </a:t>
             </a:r>
             <a:r>
-              <a:rPr lang="fr-FR" dirty="0" err="1" smtClean="0"/>
+              <a:rPr lang="fr-FR" dirty="0" err="1"/>
               <a:t>int</a:t>
             </a:r>
             <a:r>
-              <a:rPr lang="fr-FR" dirty="0" smtClean="0"/>
-              <a:t> = 0) </a:t>
-            </a:r>
-            <a:r>
               <a:rPr lang="fr-FR" dirty="0"/>
-              <a:t>-&gt; </a:t>
+              <a:t>) -&gt; </a:t>
+            </a:r>
+            <a:r>
+              <a:rPr lang="fr-FR" dirty="0" err="1"/>
+              <a:t>int</a:t>
+            </a:r>
+            <a:endParaRPr lang="fr-FR" dirty="0"/>
+          </a:p>
+          <a:p>
+            <a:pPr lvl="1"/>
+            <a:r>
+              <a:rPr lang="fr-FR" dirty="0"/>
+              <a:t>Il ne s’agit pas d’un typage fort</a:t>
+            </a:r>
+          </a:p>
+          <a:p>
+            <a:pPr lvl="1"/>
+            <a:r>
+              <a:rPr lang="fr-FR" dirty="0"/>
+              <a:t>C’est juste une annotation</a:t>
+            </a:r>
+          </a:p>
+          <a:p>
+            <a:pPr lvl="1"/>
+            <a:r>
+              <a:rPr lang="fr-FR" dirty="0"/>
+              <a:t>Peut s’utiliser avec une valeur par défaut</a:t>
+            </a:r>
+          </a:p>
+          <a:p>
+            <a:pPr lvl="1"/>
+            <a:r>
+              <a:rPr lang="fr-FR" dirty="0" err="1"/>
+              <a:t>def</a:t>
+            </a:r>
+            <a:r>
+              <a:rPr lang="fr-FR" dirty="0"/>
+              <a:t> </a:t>
+            </a:r>
+            <a:r>
+              <a:rPr lang="fr-FR" dirty="0" err="1"/>
+              <a:t>my_function</a:t>
+            </a:r>
+            <a:r>
+              <a:rPr lang="fr-FR" dirty="0"/>
+              <a:t>(</a:t>
+            </a:r>
+            <a:r>
+              <a:rPr lang="fr-FR" dirty="0" err="1"/>
+              <a:t>param</a:t>
+            </a:r>
+            <a:r>
+              <a:rPr lang="fr-FR" dirty="0"/>
+              <a:t> : </a:t>
+            </a:r>
+            <a:r>
+              <a:rPr lang="fr-FR" dirty="0" err="1"/>
+              <a:t>int</a:t>
+            </a:r>
+            <a:r>
+              <a:rPr lang="fr-FR" dirty="0"/>
+              <a:t> = 0) -&gt; </a:t>
             </a:r>
             <a:r>
               <a:rPr lang="fr-FR" dirty="0" err="1"/>
@@ -4867,14 +4563,9 @@
           <a:lstStyle/>
           <a:p>
             <a:r>
-              <a:rPr lang="fr-FR" dirty="0" smtClean="0"/>
-              <a:t>Paramètres </a:t>
-            </a:r>
-            <a:r>
-              <a:rPr lang="fr-FR" dirty="0" err="1" smtClean="0"/>
-              <a:t>tuples</a:t>
-            </a:r>
-            <a:endParaRPr lang="fr-FR" dirty="0"/>
+              <a:rPr lang="fr-FR" dirty="0"/>
+              <a:t>Remarques sur les fonctions</a:t>
+            </a:r>
           </a:p>
         </p:txBody>
       </p:sp>
@@ -4893,427 +4584,15 @@
           <a:bodyPr/>
           <a:lstStyle/>
           <a:p>
-            <a:pPr eaLnBrk="1" hangingPunct="1"/>
-            <a:r>
-              <a:rPr lang="fr-BE" altLang="fr-FR" dirty="0"/>
-              <a:t>Une fonction peut être appelée avec un nombre d’arguments arbitraire.</a:t>
-            </a:r>
-          </a:p>
-          <a:p>
-            <a:pPr eaLnBrk="1" hangingPunct="1"/>
-            <a:r>
-              <a:rPr lang="fr-BE" altLang="fr-FR" dirty="0"/>
-              <a:t>Il est possible de les envoyer sous deux formes différentes : </a:t>
-            </a:r>
-          </a:p>
-          <a:p>
-            <a:pPr lvl="1" eaLnBrk="1" hangingPunct="1"/>
-            <a:r>
-              <a:rPr lang="fr-BE" altLang="fr-FR" dirty="0"/>
-              <a:t>Soit par dictionnaire : </a:t>
-            </a:r>
-          </a:p>
-          <a:p>
-            <a:pPr lvl="2" eaLnBrk="1" hangingPunct="1"/>
-            <a:r>
-              <a:rPr lang="fr-BE" altLang="fr-FR" dirty="0"/>
-              <a:t>Définition : </a:t>
-            </a:r>
-            <a:r>
-              <a:rPr lang="fr-BE" altLang="fr-FR" dirty="0" err="1">
-                <a:solidFill>
-                  <a:schemeClr val="accent2"/>
-                </a:solidFill>
-              </a:rPr>
-              <a:t>Def</a:t>
-            </a:r>
-            <a:r>
-              <a:rPr lang="fr-BE" altLang="fr-FR" dirty="0">
-                <a:solidFill>
-                  <a:schemeClr val="accent2"/>
-                </a:solidFill>
-              </a:rPr>
-              <a:t> </a:t>
-            </a:r>
-            <a:r>
-              <a:rPr lang="fr-BE" altLang="fr-FR" dirty="0" err="1">
-                <a:solidFill>
-                  <a:schemeClr val="accent2"/>
-                </a:solidFill>
-              </a:rPr>
-              <a:t>nom_fct</a:t>
-            </a:r>
-            <a:r>
-              <a:rPr lang="fr-BE" altLang="fr-FR" dirty="0">
-                <a:solidFill>
-                  <a:schemeClr val="accent2"/>
-                </a:solidFill>
-              </a:rPr>
-              <a:t> (**</a:t>
-            </a:r>
-            <a:r>
-              <a:rPr lang="fr-BE" altLang="fr-FR" dirty="0" err="1">
-                <a:solidFill>
-                  <a:schemeClr val="accent2"/>
-                </a:solidFill>
-              </a:rPr>
-              <a:t>arg</a:t>
-            </a:r>
-            <a:r>
-              <a:rPr lang="fr-BE" altLang="fr-FR" dirty="0">
-                <a:solidFill>
-                  <a:schemeClr val="accent2"/>
-                </a:solidFill>
-              </a:rPr>
-              <a:t>):</a:t>
-            </a:r>
-          </a:p>
-          <a:p>
-            <a:pPr lvl="2" eaLnBrk="1" hangingPunct="1"/>
-            <a:r>
-              <a:rPr lang="fr-BE" altLang="fr-FR" dirty="0">
-                <a:solidFill>
-                  <a:schemeClr val="accent2"/>
-                </a:solidFill>
-              </a:rPr>
-              <a:t>                                        </a:t>
-            </a:r>
-            <a:r>
-              <a:rPr lang="fr-BE" altLang="fr-FR" dirty="0" err="1">
-                <a:solidFill>
-                  <a:schemeClr val="accent2"/>
-                </a:solidFill>
-              </a:rPr>
-              <a:t>pass</a:t>
-            </a:r>
-            <a:endParaRPr lang="fr-BE" altLang="fr-FR" dirty="0">
-              <a:solidFill>
-                <a:schemeClr val="accent2"/>
-              </a:solidFill>
-            </a:endParaRPr>
-          </a:p>
-          <a:p>
-            <a:pPr lvl="2" eaLnBrk="1" hangingPunct="1"/>
-            <a:r>
-              <a:rPr lang="fr-BE" altLang="fr-FR" dirty="0"/>
-              <a:t>Appel : </a:t>
-            </a:r>
-            <a:r>
-              <a:rPr lang="fr-BE" altLang="fr-FR" dirty="0" err="1">
-                <a:solidFill>
-                  <a:schemeClr val="accent2"/>
-                </a:solidFill>
-              </a:rPr>
-              <a:t>nom_fct</a:t>
-            </a:r>
-            <a:r>
-              <a:rPr lang="fr-BE" altLang="fr-FR" dirty="0">
-                <a:solidFill>
-                  <a:schemeClr val="accent2"/>
-                </a:solidFill>
-              </a:rPr>
-              <a:t> (arg1=1, arg2=2)</a:t>
-            </a:r>
-          </a:p>
-          <a:p>
-            <a:pPr lvl="1" eaLnBrk="1" hangingPunct="1"/>
-            <a:r>
-              <a:rPr lang="fr-BE" altLang="fr-FR" dirty="0"/>
-              <a:t>Soit par </a:t>
-            </a:r>
-            <a:r>
-              <a:rPr lang="fr-BE" altLang="fr-FR" dirty="0" err="1"/>
-              <a:t>tuple</a:t>
-            </a:r>
-            <a:r>
-              <a:rPr lang="fr-BE" altLang="fr-FR" dirty="0"/>
-              <a:t> : </a:t>
-            </a:r>
-          </a:p>
-          <a:p>
-            <a:pPr lvl="2" eaLnBrk="1" hangingPunct="1"/>
-            <a:r>
-              <a:rPr lang="fr-BE" altLang="fr-FR" dirty="0"/>
-              <a:t>Définition : </a:t>
-            </a:r>
-            <a:r>
-              <a:rPr lang="fr-BE" altLang="fr-FR" dirty="0" err="1">
-                <a:solidFill>
-                  <a:schemeClr val="accent2"/>
-                </a:solidFill>
-              </a:rPr>
-              <a:t>def</a:t>
-            </a:r>
-            <a:r>
-              <a:rPr lang="fr-BE" altLang="fr-FR" dirty="0">
-                <a:solidFill>
-                  <a:schemeClr val="accent2"/>
-                </a:solidFill>
-              </a:rPr>
-              <a:t> </a:t>
-            </a:r>
-            <a:r>
-              <a:rPr lang="fr-BE" altLang="fr-FR" dirty="0" err="1">
-                <a:solidFill>
-                  <a:schemeClr val="accent2"/>
-                </a:solidFill>
-              </a:rPr>
-              <a:t>nom_fct</a:t>
-            </a:r>
-            <a:r>
-              <a:rPr lang="fr-BE" altLang="fr-FR" dirty="0">
-                <a:solidFill>
-                  <a:schemeClr val="accent2"/>
-                </a:solidFill>
-              </a:rPr>
-              <a:t> (*</a:t>
-            </a:r>
-            <a:r>
-              <a:rPr lang="fr-BE" altLang="fr-FR" dirty="0" err="1">
-                <a:solidFill>
-                  <a:schemeClr val="accent2"/>
-                </a:solidFill>
-              </a:rPr>
-              <a:t>arg</a:t>
-            </a:r>
-            <a:r>
-              <a:rPr lang="fr-BE" altLang="fr-FR" dirty="0">
-                <a:solidFill>
-                  <a:schemeClr val="accent2"/>
-                </a:solidFill>
-              </a:rPr>
-              <a:t>):</a:t>
-            </a:r>
-          </a:p>
-          <a:p>
-            <a:pPr lvl="2" eaLnBrk="1" hangingPunct="1"/>
-            <a:r>
-              <a:rPr lang="fr-BE" altLang="fr-FR" dirty="0">
-                <a:solidFill>
-                  <a:schemeClr val="accent2"/>
-                </a:solidFill>
-              </a:rPr>
-              <a:t>                                   </a:t>
-            </a:r>
-            <a:r>
-              <a:rPr lang="fr-BE" altLang="fr-FR" dirty="0" err="1">
-                <a:solidFill>
-                  <a:schemeClr val="accent2"/>
-                </a:solidFill>
-              </a:rPr>
-              <a:t>pass</a:t>
-            </a:r>
-            <a:endParaRPr lang="fr-BE" altLang="fr-FR" dirty="0">
-              <a:solidFill>
-                <a:schemeClr val="accent2"/>
-              </a:solidFill>
-            </a:endParaRPr>
-          </a:p>
-          <a:p>
-            <a:pPr lvl="2" eaLnBrk="1" hangingPunct="1"/>
-            <a:r>
-              <a:rPr lang="fr-BE" altLang="fr-FR" dirty="0"/>
-              <a:t>Appel : </a:t>
-            </a:r>
-            <a:r>
-              <a:rPr lang="fr-BE" altLang="fr-FR" dirty="0" err="1">
-                <a:solidFill>
-                  <a:schemeClr val="accent2"/>
-                </a:solidFill>
-              </a:rPr>
-              <a:t>nom_fct</a:t>
-            </a:r>
-            <a:r>
-              <a:rPr lang="fr-BE" altLang="fr-FR" dirty="0">
-                <a:solidFill>
-                  <a:schemeClr val="accent2"/>
-                </a:solidFill>
-              </a:rPr>
-              <a:t> (arg1,arg2)</a:t>
-            </a:r>
-          </a:p>
-        </p:txBody>
-      </p:sp>
-    </p:spTree>
-    <p:extLst>
-      <p:ext uri="{BB962C8B-B14F-4D97-AF65-F5344CB8AC3E}">
-        <p14:creationId xmlns:p14="http://schemas.microsoft.com/office/powerpoint/2010/main" val="363186893"/>
-      </p:ext>
-    </p:extLst>
-  </p:cSld>
-  <p:clrMapOvr>
-    <a:masterClrMapping/>
-  </p:clrMapOvr>
-  <p:timing>
-    <p:tnLst>
-      <p:par>
-        <p:cTn id="1" dur="indefinite" restart="never" nodeType="tmRoot"/>
-      </p:par>
-    </p:tnLst>
-  </p:timing>
-</p:sld>
-</file>
-
-<file path=ppt/slides/slide7.xml><?xml version="1.0" encoding="utf-8"?>
-<p:sld xmlns:a="http://schemas.openxmlformats.org/drawingml/2006/main" xmlns:r="http://schemas.openxmlformats.org/officeDocument/2006/relationships" xmlns:p="http://schemas.openxmlformats.org/presentationml/2006/main">
-  <p:cSld>
-    <p:spTree>
-      <p:nvGrpSpPr>
-        <p:cNvPr id="1" name=""/>
-        <p:cNvGrpSpPr/>
-        <p:nvPr/>
-      </p:nvGrpSpPr>
-      <p:grpSpPr>
-        <a:xfrm>
-          <a:off x="0" y="0"/>
-          <a:ext cx="0" cy="0"/>
-          <a:chOff x="0" y="0"/>
-          <a:chExt cx="0" cy="0"/>
-        </a:xfrm>
-      </p:grpSpPr>
-      <p:sp>
-        <p:nvSpPr>
-          <p:cNvPr id="2" name="Titre 1"/>
-          <p:cNvSpPr>
-            <a:spLocks noGrp="1"/>
-          </p:cNvSpPr>
-          <p:nvPr>
-            <p:ph type="title"/>
-          </p:nvPr>
-        </p:nvSpPr>
-        <p:spPr/>
-        <p:txBody>
-          <a:bodyPr/>
-          <a:lstStyle/>
-          <a:p>
-            <a:r>
-              <a:rPr lang="fr-FR" dirty="0" smtClean="0"/>
-              <a:t>Paramètres </a:t>
-            </a:r>
-            <a:r>
-              <a:rPr lang="fr-FR" dirty="0" err="1" smtClean="0"/>
-              <a:t>tuples</a:t>
-            </a:r>
-            <a:endParaRPr lang="fr-FR" dirty="0"/>
-          </a:p>
-        </p:txBody>
-      </p:sp>
-      <p:pic>
-        <p:nvPicPr>
-          <p:cNvPr id="4" name="Image 3"/>
-          <p:cNvPicPr>
-            <a:picLocks noChangeAspect="1"/>
-          </p:cNvPicPr>
-          <p:nvPr/>
-        </p:nvPicPr>
-        <p:blipFill>
-          <a:blip r:embed="rId2"/>
-          <a:stretch>
-            <a:fillRect/>
-          </a:stretch>
-        </p:blipFill>
-        <p:spPr>
-          <a:xfrm>
-            <a:off x="899592" y="1556792"/>
-            <a:ext cx="7200800" cy="4137143"/>
-          </a:xfrm>
-          <a:prstGeom prst="rect">
-            <a:avLst/>
-          </a:prstGeom>
-        </p:spPr>
-      </p:pic>
-    </p:spTree>
-    <p:extLst>
-      <p:ext uri="{BB962C8B-B14F-4D97-AF65-F5344CB8AC3E}">
-        <p14:creationId xmlns:p14="http://schemas.microsoft.com/office/powerpoint/2010/main" val="2313414699"/>
-      </p:ext>
-    </p:extLst>
-  </p:cSld>
-  <p:clrMapOvr>
-    <a:masterClrMapping/>
-  </p:clrMapOvr>
-  <p:timing>
-    <p:tnLst>
-      <p:par>
-        <p:cTn id="1" dur="indefinite" restart="never" nodeType="tmRoot"/>
-      </p:par>
-    </p:tnLst>
-  </p:timing>
-</p:sld>
-</file>
-
-<file path=ppt/slides/slide8.xml><?xml version="1.0" encoding="utf-8"?>
-<p:sld xmlns:a="http://schemas.openxmlformats.org/drawingml/2006/main" xmlns:r="http://schemas.openxmlformats.org/officeDocument/2006/relationships" xmlns:p="http://schemas.openxmlformats.org/presentationml/2006/main">
-  <p:cSld>
-    <p:spTree>
-      <p:nvGrpSpPr>
-        <p:cNvPr id="1" name=""/>
-        <p:cNvGrpSpPr/>
-        <p:nvPr/>
-      </p:nvGrpSpPr>
-      <p:grpSpPr>
-        <a:xfrm>
-          <a:off x="0" y="0"/>
-          <a:ext cx="0" cy="0"/>
-          <a:chOff x="0" y="0"/>
-          <a:chExt cx="0" cy="0"/>
-        </a:xfrm>
-      </p:grpSpPr>
-      <p:sp>
-        <p:nvSpPr>
-          <p:cNvPr id="2" name="Titre 1"/>
-          <p:cNvSpPr>
-            <a:spLocks noGrp="1"/>
-          </p:cNvSpPr>
-          <p:nvPr>
-            <p:ph type="title"/>
-          </p:nvPr>
-        </p:nvSpPr>
-        <p:spPr/>
-        <p:txBody>
-          <a:bodyPr/>
-          <a:lstStyle/>
-          <a:p>
-            <a:r>
-              <a:rPr lang="fr-FR" dirty="0" smtClean="0"/>
-              <a:t>Remarques sur les fonctions</a:t>
-            </a:r>
-            <a:endParaRPr lang="fr-FR" dirty="0"/>
-          </a:p>
-        </p:txBody>
-      </p:sp>
-      <p:sp>
-        <p:nvSpPr>
-          <p:cNvPr id="3" name="Espace réservé du contenu 2"/>
-          <p:cNvSpPr>
-            <a:spLocks noGrp="1"/>
-          </p:cNvSpPr>
-          <p:nvPr>
-            <p:ph idx="1"/>
-          </p:nvPr>
-        </p:nvSpPr>
-        <p:spPr/>
-        <p:txBody>
-          <a:bodyPr/>
-          <a:lstStyle/>
-          <a:p>
-            <a:r>
-              <a:rPr lang="fr-FR" dirty="0" smtClean="0"/>
+            <a:r>
+              <a:rPr lang="fr-FR" dirty="0"/>
               <a:t>Les fonctions sont des types comme les autres</a:t>
             </a:r>
           </a:p>
           <a:p>
             <a:r>
               <a:rPr lang="fr-FR" dirty="0"/>
-              <a:t>Les fonctions sont manipulables comme </a:t>
-            </a:r>
-            <a:r>
-              <a:rPr lang="fr-FR" dirty="0" smtClean="0"/>
-              <a:t>tous les </a:t>
-            </a:r>
-            <a:r>
-              <a:rPr lang="fr-FR" dirty="0"/>
-              <a:t>autres types</a:t>
+              <a:t>Les fonctions sont manipulables comme tous les autres types</a:t>
             </a:r>
           </a:p>
         </p:txBody>
@@ -5352,17 +4631,10 @@
   <p:clrMapOvr>
     <a:masterClrMapping/>
   </p:clrMapOvr>
-  <p:timing>
-    <p:tnLst>
-      <p:par>
-        <p:cTn id="1" dur="indefinite" restart="never" nodeType="tmRoot"/>
-      </p:par>
-    </p:tnLst>
-  </p:timing>
 </p:sld>
 </file>
 
-<file path=ppt/slides/slide9.xml><?xml version="1.0" encoding="utf-8"?>
+<file path=ppt/slides/slide7.xml><?xml version="1.0" encoding="utf-8"?>
 <p:sld xmlns:a="http://schemas.openxmlformats.org/drawingml/2006/main" xmlns:r="http://schemas.openxmlformats.org/officeDocument/2006/relationships" xmlns:p="http://schemas.openxmlformats.org/presentationml/2006/main">
   <p:cSld>
     <p:spTree>
@@ -5395,10 +4667,9 @@
           <a:lstStyle/>
           <a:p>
             <a:r>
-              <a:rPr lang="fr-FR" dirty="0" smtClean="0"/>
+              <a:rPr lang="fr-FR" dirty="0"/>
               <a:t>Callback</a:t>
             </a:r>
-            <a:endParaRPr lang="fr-FR" dirty="0"/>
           </a:p>
         </p:txBody>
       </p:sp>
@@ -5419,23 +4690,7 @@
           <a:p>
             <a:r>
               <a:rPr lang="fr-FR" dirty="0"/>
-              <a:t>Les fonctions peuvent </a:t>
-            </a:r>
-            <a:r>
-              <a:rPr lang="fr-FR" dirty="0" smtClean="0"/>
-              <a:t>être passée </a:t>
-            </a:r>
-            <a:r>
-              <a:rPr lang="fr-FR" dirty="0"/>
-              <a:t>en </a:t>
-            </a:r>
-            <a:r>
-              <a:rPr lang="fr-FR" dirty="0" smtClean="0"/>
-              <a:t>paramètre d'une </a:t>
-            </a:r>
-            <a:r>
-              <a:rPr lang="fr-FR" dirty="0"/>
-              <a:t>fonction → fonction de rappel (callback)</a:t>
+              <a:t>Les fonctions peuvent être passée en paramètre d'une fonction → fonction de rappel (callback)</a:t>
             </a:r>
           </a:p>
         </p:txBody>
@@ -5474,13 +4729,193 @@
   <p:clrMapOvr>
     <a:masterClrMapping/>
   </p:clrMapOvr>
-  <p:timing>
-    <p:tnLst>
-      <p:par>
-        <p:cTn id="1" dur="indefinite" restart="never" nodeType="tmRoot"/>
-      </p:par>
-    </p:tnLst>
-  </p:timing>
+</p:sld>
+</file>
+
+<file path=ppt/slides/slide8.xml><?xml version="1.0" encoding="utf-8"?>
+<p:sld xmlns:a="http://schemas.openxmlformats.org/drawingml/2006/main" xmlns:r="http://schemas.openxmlformats.org/officeDocument/2006/relationships" xmlns:p="http://schemas.openxmlformats.org/presentationml/2006/main">
+  <p:cSld>
+    <p:spTree>
+      <p:nvGrpSpPr>
+        <p:cNvPr id="1" name=""/>
+        <p:cNvGrpSpPr/>
+        <p:nvPr/>
+      </p:nvGrpSpPr>
+      <p:grpSpPr>
+        <a:xfrm>
+          <a:off x="0" y="0"/>
+          <a:ext cx="0" cy="0"/>
+          <a:chOff x="0" y="0"/>
+          <a:chExt cx="0" cy="0"/>
+        </a:xfrm>
+      </p:grpSpPr>
+      <p:sp>
+        <p:nvSpPr>
+          <p:cNvPr id="2" name="Titre 1"/>
+          <p:cNvSpPr>
+            <a:spLocks noGrp="1"/>
+          </p:cNvSpPr>
+          <p:nvPr>
+            <p:ph type="title"/>
+          </p:nvPr>
+        </p:nvSpPr>
+        <p:spPr/>
+        <p:txBody>
+          <a:bodyPr/>
+          <a:lstStyle/>
+          <a:p>
+            <a:r>
+              <a:rPr lang="fr-FR" dirty="0"/>
+              <a:t>Fonctions lambda</a:t>
+            </a:r>
+          </a:p>
+        </p:txBody>
+      </p:sp>
+      <p:sp>
+        <p:nvSpPr>
+          <p:cNvPr id="3" name="Espace réservé du contenu 2"/>
+          <p:cNvSpPr>
+            <a:spLocks noGrp="1"/>
+          </p:cNvSpPr>
+          <p:nvPr>
+            <p:ph idx="1"/>
+          </p:nvPr>
+        </p:nvSpPr>
+        <p:spPr/>
+        <p:txBody>
+          <a:bodyPr/>
+          <a:lstStyle/>
+          <a:p>
+            <a:r>
+              <a:rPr lang="fr-FR" dirty="0"/>
+              <a:t>Il s’agit d’une écriture simplifiée d’une fonction</a:t>
+            </a:r>
+          </a:p>
+          <a:p>
+            <a:pPr lvl="1"/>
+            <a:r>
+              <a:rPr lang="fr-FR" dirty="0"/>
+              <a:t>Très utile pour les fonctions arithmétiques</a:t>
+            </a:r>
+          </a:p>
+          <a:p>
+            <a:pPr lvl="1"/>
+            <a:r>
+              <a:rPr lang="fr-FR" dirty="0"/>
+              <a:t>Permet </a:t>
+            </a:r>
+            <a:r>
+              <a:rPr lang="fr-FR"/>
+              <a:t>de stocker </a:t>
+            </a:r>
+            <a:r>
+              <a:rPr lang="fr-FR" dirty="0"/>
+              <a:t>dans une variable une fonction</a:t>
+            </a:r>
+          </a:p>
+          <a:p>
+            <a:pPr eaLnBrk="1" hangingPunct="1"/>
+            <a:r>
+              <a:rPr lang="fr-BE" altLang="fr-FR" dirty="0"/>
+              <a:t>Avec le mot-clé « lambda », de petites fonctions anonymes peuvent être crées</a:t>
+            </a:r>
+          </a:p>
+          <a:p>
+            <a:pPr lvl="1" eaLnBrk="1" hangingPunct="1"/>
+            <a:r>
+              <a:rPr lang="fr-BE" altLang="fr-FR" dirty="0"/>
+              <a:t>Elles sont limitées syntaxiquement à une expression unique.</a:t>
+            </a:r>
+          </a:p>
+          <a:p>
+            <a:pPr lvl="1" eaLnBrk="1" hangingPunct="1"/>
+            <a:r>
+              <a:rPr lang="fr-BE" altLang="fr-FR" dirty="0"/>
+              <a:t>Ex : </a:t>
+            </a:r>
+            <a:r>
+              <a:rPr lang="fr-BE" altLang="fr-FR" dirty="0">
+                <a:solidFill>
+                  <a:schemeClr val="accent2"/>
+                </a:solidFill>
+              </a:rPr>
+              <a:t>f=lambda </a:t>
+            </a:r>
+            <a:r>
+              <a:rPr lang="fr-BE" altLang="fr-FR" dirty="0" err="1">
+                <a:solidFill>
+                  <a:schemeClr val="accent2"/>
+                </a:solidFill>
+              </a:rPr>
+              <a:t>x,y,z</a:t>
+            </a:r>
+            <a:r>
+              <a:rPr lang="fr-BE" altLang="fr-FR" dirty="0">
+                <a:solidFill>
+                  <a:schemeClr val="accent2"/>
+                </a:solidFill>
+              </a:rPr>
+              <a:t>: </a:t>
+            </a:r>
+            <a:r>
+              <a:rPr lang="fr-BE" altLang="fr-FR" dirty="0" err="1">
+                <a:solidFill>
+                  <a:schemeClr val="accent2"/>
+                </a:solidFill>
+              </a:rPr>
+              <a:t>x+y+z</a:t>
+            </a:r>
+            <a:endParaRPr lang="fr-BE" altLang="fr-FR" dirty="0">
+              <a:solidFill>
+                <a:schemeClr val="accent2"/>
+              </a:solidFill>
+            </a:endParaRPr>
+          </a:p>
+          <a:p>
+            <a:pPr lvl="1" eaLnBrk="1" hangingPunct="1"/>
+            <a:r>
+              <a:rPr lang="fr-BE" altLang="fr-FR" dirty="0">
+                <a:solidFill>
+                  <a:schemeClr val="accent2"/>
+                </a:solidFill>
+              </a:rPr>
+              <a:t>       f(2,3,4)</a:t>
+            </a:r>
+          </a:p>
+          <a:p>
+            <a:pPr lvl="1" eaLnBrk="1" hangingPunct="1"/>
+            <a:r>
+              <a:rPr lang="fr-BE" altLang="fr-FR" dirty="0"/>
+              <a:t>       ce qui donne : </a:t>
+            </a:r>
+            <a:r>
+              <a:rPr lang="fr-BE" altLang="fr-FR" dirty="0">
+                <a:solidFill>
+                  <a:schemeClr val="accent2"/>
+                </a:solidFill>
+              </a:rPr>
+              <a:t>9</a:t>
+            </a:r>
+            <a:r>
+              <a:rPr lang="fr-BE" altLang="fr-FR" dirty="0"/>
+              <a:t> </a:t>
+            </a:r>
+          </a:p>
+          <a:p>
+            <a:endParaRPr lang="fr-FR" dirty="0"/>
+          </a:p>
+        </p:txBody>
+      </p:sp>
+    </p:spTree>
+    <p:extLst>
+      <p:ext uri="{BB962C8B-B14F-4D97-AF65-F5344CB8AC3E}">
+        <p14:creationId xmlns:p14="http://schemas.microsoft.com/office/powerpoint/2010/main" val="3470353668"/>
+      </p:ext>
+    </p:extLst>
+  </p:cSld>
+  <p:clrMapOvr>
+    <a:masterClrMapping/>
+  </p:clrMapOvr>
 </p:sld>
 </file>
 

--- a/ppt/Python04-Functions.pptx
+++ b/ppt/Python04-Functions.pptx
@@ -5,10 +5,10 @@
     <p:sldMasterId id="2147483653" r:id="rId1"/>
   </p:sldMasterIdLst>
   <p:notesMasterIdLst>
-    <p:notesMasterId r:id="rId10"/>
+    <p:notesMasterId r:id="rId12"/>
   </p:notesMasterIdLst>
   <p:handoutMasterIdLst>
-    <p:handoutMasterId r:id="rId11"/>
+    <p:handoutMasterId r:id="rId13"/>
   </p:handoutMasterIdLst>
   <p:sldIdLst>
     <p:sldId id="264" r:id="rId2"/>
@@ -16,9 +16,11 @@
     <p:sldId id="266" r:id="rId4"/>
     <p:sldId id="267" r:id="rId5"/>
     <p:sldId id="275" r:id="rId6"/>
-    <p:sldId id="272" r:id="rId7"/>
-    <p:sldId id="273" r:id="rId8"/>
-    <p:sldId id="269" r:id="rId9"/>
+    <p:sldId id="268" r:id="rId7"/>
+    <p:sldId id="270" r:id="rId8"/>
+    <p:sldId id="272" r:id="rId9"/>
+    <p:sldId id="273" r:id="rId10"/>
+    <p:sldId id="269" r:id="rId11"/>
   </p:sldIdLst>
   <p:sldSz cx="9144000" cy="6858000" type="screen4x3"/>
   <p:notesSz cx="6648450" cy="9782175"/>
@@ -3740,6 +3742,193 @@
 </p:sld>
 </file>
 
+<file path=ppt/slides/slide10.xml><?xml version="1.0" encoding="utf-8"?>
+<p:sld xmlns:a="http://schemas.openxmlformats.org/drawingml/2006/main" xmlns:r="http://schemas.openxmlformats.org/officeDocument/2006/relationships" xmlns:p="http://schemas.openxmlformats.org/presentationml/2006/main">
+  <p:cSld>
+    <p:spTree>
+      <p:nvGrpSpPr>
+        <p:cNvPr id="1" name=""/>
+        <p:cNvGrpSpPr/>
+        <p:nvPr/>
+      </p:nvGrpSpPr>
+      <p:grpSpPr>
+        <a:xfrm>
+          <a:off x="0" y="0"/>
+          <a:ext cx="0" cy="0"/>
+          <a:chOff x="0" y="0"/>
+          <a:chExt cx="0" cy="0"/>
+        </a:xfrm>
+      </p:grpSpPr>
+      <p:sp>
+        <p:nvSpPr>
+          <p:cNvPr id="2" name="Titre 1"/>
+          <p:cNvSpPr>
+            <a:spLocks noGrp="1"/>
+          </p:cNvSpPr>
+          <p:nvPr>
+            <p:ph type="title"/>
+          </p:nvPr>
+        </p:nvSpPr>
+        <p:spPr/>
+        <p:txBody>
+          <a:bodyPr/>
+          <a:lstStyle/>
+          <a:p>
+            <a:r>
+              <a:rPr lang="fr-FR" dirty="0"/>
+              <a:t>Fonctions lambda</a:t>
+            </a:r>
+          </a:p>
+        </p:txBody>
+      </p:sp>
+      <p:sp>
+        <p:nvSpPr>
+          <p:cNvPr id="3" name="Espace réservé du contenu 2"/>
+          <p:cNvSpPr>
+            <a:spLocks noGrp="1"/>
+          </p:cNvSpPr>
+          <p:nvPr>
+            <p:ph idx="1"/>
+          </p:nvPr>
+        </p:nvSpPr>
+        <p:spPr/>
+        <p:txBody>
+          <a:bodyPr/>
+          <a:lstStyle/>
+          <a:p>
+            <a:r>
+              <a:rPr lang="fr-FR" dirty="0"/>
+              <a:t>Il s’agit d’une écriture simplifiée d’une fonction</a:t>
+            </a:r>
+          </a:p>
+          <a:p>
+            <a:pPr lvl="1"/>
+            <a:r>
+              <a:rPr lang="fr-FR" dirty="0"/>
+              <a:t>Très utile pour les fonctions arithmétiques</a:t>
+            </a:r>
+          </a:p>
+          <a:p>
+            <a:pPr lvl="1"/>
+            <a:r>
+              <a:rPr lang="fr-FR" dirty="0"/>
+              <a:t>Permet </a:t>
+            </a:r>
+            <a:r>
+              <a:rPr lang="fr-FR"/>
+              <a:t>de stocker </a:t>
+            </a:r>
+            <a:r>
+              <a:rPr lang="fr-FR" dirty="0"/>
+              <a:t>dans une variable une fonction</a:t>
+            </a:r>
+          </a:p>
+          <a:p>
+            <a:pPr eaLnBrk="1" hangingPunct="1"/>
+            <a:r>
+              <a:rPr lang="fr-BE" altLang="fr-FR" dirty="0"/>
+              <a:t>Avec le mot-clé « lambda », de petites fonctions anonymes peuvent être crées</a:t>
+            </a:r>
+          </a:p>
+          <a:p>
+            <a:pPr lvl="1" eaLnBrk="1" hangingPunct="1"/>
+            <a:r>
+              <a:rPr lang="fr-BE" altLang="fr-FR" dirty="0"/>
+              <a:t>Elles sont limitées syntaxiquement à une expression unique.</a:t>
+            </a:r>
+          </a:p>
+          <a:p>
+            <a:pPr lvl="1" eaLnBrk="1" hangingPunct="1"/>
+            <a:r>
+              <a:rPr lang="fr-BE" altLang="fr-FR" dirty="0"/>
+              <a:t>Ex : </a:t>
+            </a:r>
+            <a:r>
+              <a:rPr lang="fr-BE" altLang="fr-FR" dirty="0">
+                <a:solidFill>
+                  <a:schemeClr val="accent2"/>
+                </a:solidFill>
+              </a:rPr>
+              <a:t>f=lambda </a:t>
+            </a:r>
+            <a:r>
+              <a:rPr lang="fr-BE" altLang="fr-FR" dirty="0" err="1">
+                <a:solidFill>
+                  <a:schemeClr val="accent2"/>
+                </a:solidFill>
+              </a:rPr>
+              <a:t>x,y,z</a:t>
+            </a:r>
+            <a:r>
+              <a:rPr lang="fr-BE" altLang="fr-FR" dirty="0">
+                <a:solidFill>
+                  <a:schemeClr val="accent2"/>
+                </a:solidFill>
+              </a:rPr>
+              <a:t>: </a:t>
+            </a:r>
+            <a:r>
+              <a:rPr lang="fr-BE" altLang="fr-FR" dirty="0" err="1">
+                <a:solidFill>
+                  <a:schemeClr val="accent2"/>
+                </a:solidFill>
+              </a:rPr>
+              <a:t>x+y+z</a:t>
+            </a:r>
+            <a:endParaRPr lang="fr-BE" altLang="fr-FR" dirty="0">
+              <a:solidFill>
+                <a:schemeClr val="accent2"/>
+              </a:solidFill>
+            </a:endParaRPr>
+          </a:p>
+          <a:p>
+            <a:pPr lvl="1" eaLnBrk="1" hangingPunct="1"/>
+            <a:r>
+              <a:rPr lang="fr-BE" altLang="fr-FR" dirty="0">
+                <a:solidFill>
+                  <a:schemeClr val="accent2"/>
+                </a:solidFill>
+              </a:rPr>
+              <a:t>       f(2,3,4)</a:t>
+            </a:r>
+          </a:p>
+          <a:p>
+            <a:pPr lvl="1" eaLnBrk="1" hangingPunct="1"/>
+            <a:r>
+              <a:rPr lang="fr-BE" altLang="fr-FR" dirty="0"/>
+              <a:t>       ce qui donne : </a:t>
+            </a:r>
+            <a:r>
+              <a:rPr lang="fr-BE" altLang="fr-FR" dirty="0">
+                <a:solidFill>
+                  <a:schemeClr val="accent2"/>
+                </a:solidFill>
+              </a:rPr>
+              <a:t>9</a:t>
+            </a:r>
+            <a:r>
+              <a:rPr lang="fr-BE" altLang="fr-FR" dirty="0"/>
+              <a:t> </a:t>
+            </a:r>
+          </a:p>
+          <a:p>
+            <a:endParaRPr lang="fr-FR" dirty="0"/>
+          </a:p>
+        </p:txBody>
+      </p:sp>
+    </p:spTree>
+    <p:extLst>
+      <p:ext uri="{BB962C8B-B14F-4D97-AF65-F5344CB8AC3E}">
+        <p14:creationId xmlns:p14="http://schemas.microsoft.com/office/powerpoint/2010/main" val="3470353668"/>
+      </p:ext>
+    </p:extLst>
+  </p:cSld>
+  <p:clrMapOvr>
+    <a:masterClrMapping/>
+  </p:clrMapOvr>
+</p:sld>
+</file>
+
 <file path=ppt/slides/slide2.xml><?xml version="1.0" encoding="utf-8"?>
 <p:sld xmlns:a="http://schemas.openxmlformats.org/drawingml/2006/main" xmlns:r="http://schemas.openxmlformats.org/officeDocument/2006/relationships" xmlns:p="http://schemas.openxmlformats.org/presentationml/2006/main">
   <p:cSld>
@@ -4564,8 +4753,13 @@
           <a:p>
             <a:r>
               <a:rPr lang="fr-FR" dirty="0"/>
-              <a:t>Remarques sur les fonctions</a:t>
-            </a:r>
+              <a:t>Paramètres </a:t>
+            </a:r>
+            <a:r>
+              <a:rPr lang="fr-FR" dirty="0" err="1"/>
+              <a:t>tuples</a:t>
+            </a:r>
+            <a:endParaRPr lang="fr-FR" dirty="0"/>
           </a:p>
         </p:txBody>
       </p:sp>
@@ -4584,47 +4778,187 @@
           <a:bodyPr/>
           <a:lstStyle/>
           <a:p>
-            <a:r>
-              <a:rPr lang="fr-FR" dirty="0"/>
-              <a:t>Les fonctions sont des types comme les autres</a:t>
-            </a:r>
-          </a:p>
-          <a:p>
-            <a:r>
-              <a:rPr lang="fr-FR" dirty="0"/>
-              <a:t>Les fonctions sont manipulables comme tous les autres types</a:t>
+            <a:pPr eaLnBrk="1" hangingPunct="1"/>
+            <a:r>
+              <a:rPr lang="fr-BE" altLang="fr-FR" dirty="0"/>
+              <a:t>Une fonction peut être appelée avec un nombre d’arguments arbitraire.</a:t>
+            </a:r>
+          </a:p>
+          <a:p>
+            <a:pPr eaLnBrk="1" hangingPunct="1"/>
+            <a:r>
+              <a:rPr lang="fr-BE" altLang="fr-FR" dirty="0"/>
+              <a:t>Il est possible de les envoyer sous deux formes différentes : </a:t>
+            </a:r>
+          </a:p>
+          <a:p>
+            <a:pPr lvl="1" eaLnBrk="1" hangingPunct="1"/>
+            <a:r>
+              <a:rPr lang="fr-BE" altLang="fr-FR" dirty="0"/>
+              <a:t>Soit par dictionnaire : </a:t>
+            </a:r>
+          </a:p>
+          <a:p>
+            <a:pPr lvl="2" eaLnBrk="1" hangingPunct="1"/>
+            <a:r>
+              <a:rPr lang="fr-BE" altLang="fr-FR" dirty="0"/>
+              <a:t>Définition : </a:t>
+            </a:r>
+            <a:r>
+              <a:rPr lang="fr-BE" altLang="fr-FR" dirty="0" err="1">
+                <a:solidFill>
+                  <a:schemeClr val="accent2"/>
+                </a:solidFill>
+              </a:rPr>
+              <a:t>Def</a:t>
+            </a:r>
+            <a:r>
+              <a:rPr lang="fr-BE" altLang="fr-FR" dirty="0">
+                <a:solidFill>
+                  <a:schemeClr val="accent2"/>
+                </a:solidFill>
+              </a:rPr>
+              <a:t> </a:t>
+            </a:r>
+            <a:r>
+              <a:rPr lang="fr-BE" altLang="fr-FR" dirty="0" err="1">
+                <a:solidFill>
+                  <a:schemeClr val="accent2"/>
+                </a:solidFill>
+              </a:rPr>
+              <a:t>nom_fct</a:t>
+            </a:r>
+            <a:r>
+              <a:rPr lang="fr-BE" altLang="fr-FR" dirty="0">
+                <a:solidFill>
+                  <a:schemeClr val="accent2"/>
+                </a:solidFill>
+              </a:rPr>
+              <a:t> (**</a:t>
+            </a:r>
+            <a:r>
+              <a:rPr lang="fr-BE" altLang="fr-FR" dirty="0" err="1">
+                <a:solidFill>
+                  <a:schemeClr val="accent2"/>
+                </a:solidFill>
+              </a:rPr>
+              <a:t>kwargs</a:t>
+            </a:r>
+            <a:r>
+              <a:rPr lang="fr-BE" altLang="fr-FR" dirty="0">
+                <a:solidFill>
+                  <a:schemeClr val="accent2"/>
+                </a:solidFill>
+              </a:rPr>
+              <a:t>):</a:t>
+            </a:r>
+          </a:p>
+          <a:p>
+            <a:pPr lvl="2" eaLnBrk="1" hangingPunct="1"/>
+            <a:r>
+              <a:rPr lang="fr-BE" altLang="fr-FR" dirty="0"/>
+              <a:t>Appel : </a:t>
+            </a:r>
+            <a:r>
+              <a:rPr lang="fr-BE" altLang="fr-FR" dirty="0" err="1">
+                <a:solidFill>
+                  <a:schemeClr val="accent2"/>
+                </a:solidFill>
+              </a:rPr>
+              <a:t>nom_fct</a:t>
+            </a:r>
+            <a:r>
+              <a:rPr lang="fr-BE" altLang="fr-FR" dirty="0">
+                <a:solidFill>
+                  <a:schemeClr val="accent2"/>
+                </a:solidFill>
+              </a:rPr>
+              <a:t> (arg1=1, arg2=2)</a:t>
+            </a:r>
+          </a:p>
+          <a:p>
+            <a:pPr lvl="1" eaLnBrk="1" hangingPunct="1"/>
+            <a:r>
+              <a:rPr lang="fr-BE" altLang="fr-FR" dirty="0"/>
+              <a:t>Soit par </a:t>
+            </a:r>
+            <a:r>
+              <a:rPr lang="fr-BE" altLang="fr-FR" dirty="0" err="1"/>
+              <a:t>tuple</a:t>
+            </a:r>
+            <a:r>
+              <a:rPr lang="fr-BE" altLang="fr-FR" dirty="0"/>
+              <a:t> : </a:t>
+            </a:r>
+          </a:p>
+          <a:p>
+            <a:pPr lvl="2" eaLnBrk="1" hangingPunct="1"/>
+            <a:r>
+              <a:rPr lang="fr-BE" altLang="fr-FR" dirty="0"/>
+              <a:t>Définition : </a:t>
+            </a:r>
+            <a:r>
+              <a:rPr lang="fr-BE" altLang="fr-FR" dirty="0" err="1">
+                <a:solidFill>
+                  <a:schemeClr val="accent2"/>
+                </a:solidFill>
+              </a:rPr>
+              <a:t>def</a:t>
+            </a:r>
+            <a:r>
+              <a:rPr lang="fr-BE" altLang="fr-FR" dirty="0">
+                <a:solidFill>
+                  <a:schemeClr val="accent2"/>
+                </a:solidFill>
+              </a:rPr>
+              <a:t> </a:t>
+            </a:r>
+            <a:r>
+              <a:rPr lang="fr-BE" altLang="fr-FR" dirty="0" err="1">
+                <a:solidFill>
+                  <a:schemeClr val="accent2"/>
+                </a:solidFill>
+              </a:rPr>
+              <a:t>nom_fct</a:t>
+            </a:r>
+            <a:r>
+              <a:rPr lang="fr-BE" altLang="fr-FR" dirty="0">
+                <a:solidFill>
+                  <a:schemeClr val="accent2"/>
+                </a:solidFill>
+              </a:rPr>
+              <a:t> (*args):</a:t>
+            </a:r>
+          </a:p>
+          <a:p>
+            <a:pPr lvl="2" eaLnBrk="1" hangingPunct="1"/>
+            <a:r>
+              <a:rPr lang="fr-BE" altLang="fr-FR" dirty="0"/>
+              <a:t>Appel : </a:t>
+            </a:r>
+            <a:r>
+              <a:rPr lang="fr-BE" altLang="fr-FR" dirty="0" err="1">
+                <a:solidFill>
+                  <a:schemeClr val="accent2"/>
+                </a:solidFill>
+              </a:rPr>
+              <a:t>nom_fct</a:t>
+            </a:r>
+            <a:r>
+              <a:rPr lang="fr-BE" altLang="fr-FR" dirty="0">
+                <a:solidFill>
+                  <a:schemeClr val="accent2"/>
+                </a:solidFill>
+              </a:rPr>
+              <a:t> (arg1,arg2)</a:t>
             </a:r>
           </a:p>
         </p:txBody>
       </p:sp>
-      <p:pic>
-        <p:nvPicPr>
-          <p:cNvPr id="4" name="Image 3"/>
-          <p:cNvPicPr>
-            <a:picLocks noChangeAspect="1"/>
-          </p:cNvPicPr>
-          <p:nvPr/>
-        </p:nvPicPr>
-        <p:blipFill>
-          <a:blip r:embed="rId2"/>
-          <a:stretch>
-            <a:fillRect/>
-          </a:stretch>
-        </p:blipFill>
-        <p:spPr>
-          <a:xfrm>
-            <a:off x="1381187" y="3356992"/>
-            <a:ext cx="6362700" cy="2276475"/>
-          </a:xfrm>
-          <a:prstGeom prst="rect">
-            <a:avLst/>
-          </a:prstGeom>
-        </p:spPr>
-      </p:pic>
     </p:spTree>
     <p:extLst>
       <p:ext uri="{BB962C8B-B14F-4D97-AF65-F5344CB8AC3E}">
-        <p14:creationId xmlns:p14="http://schemas.microsoft.com/office/powerpoint/2010/main" val="1385247496"/>
+        <p14:creationId xmlns:p14="http://schemas.microsoft.com/office/powerpoint/2010/main" val="363186893"/>
       </p:ext>
     </p:extLst>
   </p:cSld>
@@ -4668,30 +5002,13 @@
           <a:p>
             <a:r>
               <a:rPr lang="fr-FR" dirty="0"/>
-              <a:t>Callback</a:t>
-            </a:r>
-          </a:p>
-        </p:txBody>
-      </p:sp>
-      <p:sp>
-        <p:nvSpPr>
-          <p:cNvPr id="3" name="Espace réservé du contenu 2"/>
-          <p:cNvSpPr>
-            <a:spLocks noGrp="1"/>
-          </p:cNvSpPr>
-          <p:nvPr>
-            <p:ph idx="1"/>
-          </p:nvPr>
-        </p:nvSpPr>
-        <p:spPr/>
-        <p:txBody>
-          <a:bodyPr/>
-          <a:lstStyle/>
-          <a:p>
-            <a:r>
-              <a:rPr lang="fr-FR" dirty="0"/>
-              <a:t>Les fonctions peuvent être passée en paramètre d'une fonction → fonction de rappel (callback)</a:t>
-            </a:r>
+              <a:t>Paramètres </a:t>
+            </a:r>
+            <a:r>
+              <a:rPr lang="fr-FR" dirty="0" err="1"/>
+              <a:t>tuples</a:t>
+            </a:r>
+            <a:endParaRPr lang="fr-FR" dirty="0"/>
           </a:p>
         </p:txBody>
       </p:sp>
@@ -4711,8 +5028,8 @@
         </p:blipFill>
         <p:spPr>
           <a:xfrm>
-            <a:off x="1691680" y="2852936"/>
-            <a:ext cx="6305550" cy="2724150"/>
+            <a:off x="899592" y="1556792"/>
+            <a:ext cx="7200800" cy="4137143"/>
           </a:xfrm>
           <a:prstGeom prst="rect">
             <a:avLst/>
@@ -4722,7 +5039,7 @@
     </p:spTree>
     <p:extLst>
       <p:ext uri="{BB962C8B-B14F-4D97-AF65-F5344CB8AC3E}">
-        <p14:creationId xmlns:p14="http://schemas.microsoft.com/office/powerpoint/2010/main" val="3178713497"/>
+        <p14:creationId xmlns:p14="http://schemas.microsoft.com/office/powerpoint/2010/main" val="2313414699"/>
       </p:ext>
     </p:extLst>
   </p:cSld>
@@ -4766,7 +5083,7 @@
           <a:p>
             <a:r>
               <a:rPr lang="fr-FR" dirty="0"/>
-              <a:t>Fonctions lambda</a:t>
+              <a:t>Remarques sur les fonctions</a:t>
             </a:r>
           </a:p>
         </p:txBody>
@@ -4788,128 +5105,143 @@
           <a:p>
             <a:r>
               <a:rPr lang="fr-FR" dirty="0"/>
-              <a:t>Il s’agit d’une écriture simplifiée d’une fonction</a:t>
-            </a:r>
-          </a:p>
-          <a:p>
-            <a:pPr lvl="1"/>
+              <a:t>Les fonctions sont des types comme les autres</a:t>
+            </a:r>
+          </a:p>
+          <a:p>
             <a:r>
               <a:rPr lang="fr-FR" dirty="0"/>
-              <a:t>Très utile pour les fonctions arithmétiques</a:t>
-            </a:r>
-          </a:p>
-          <a:p>
-            <a:pPr lvl="1"/>
-            <a:r>
-              <a:rPr lang="fr-FR" dirty="0"/>
-              <a:t>Permet </a:t>
-            </a:r>
-            <a:r>
-              <a:rPr lang="fr-FR"/>
-              <a:t>de stocker </a:t>
-            </a:r>
-            <a:r>
-              <a:rPr lang="fr-FR" dirty="0"/>
-              <a:t>dans une variable une fonction</a:t>
-            </a:r>
-          </a:p>
-          <a:p>
-            <a:pPr eaLnBrk="1" hangingPunct="1"/>
-            <a:r>
-              <a:rPr lang="fr-BE" altLang="fr-FR" dirty="0"/>
-              <a:t>Avec le mot-clé « lambda », de petites fonctions anonymes peuvent être crées</a:t>
-            </a:r>
-          </a:p>
-          <a:p>
-            <a:pPr lvl="1" eaLnBrk="1" hangingPunct="1"/>
-            <a:r>
-              <a:rPr lang="fr-BE" altLang="fr-FR" dirty="0"/>
-              <a:t>Elles sont limitées syntaxiquement à une expression unique.</a:t>
-            </a:r>
-          </a:p>
-          <a:p>
-            <a:pPr lvl="1" eaLnBrk="1" hangingPunct="1"/>
-            <a:r>
-              <a:rPr lang="fr-BE" altLang="fr-FR" dirty="0"/>
-              <a:t>Ex : </a:t>
-            </a:r>
-            <a:r>
-              <a:rPr lang="fr-BE" altLang="fr-FR" dirty="0">
-                <a:solidFill>
-                  <a:schemeClr val="accent2"/>
-                </a:solidFill>
-              </a:rPr>
-              <a:t>f=lambda </a:t>
-            </a:r>
-            <a:r>
-              <a:rPr lang="fr-BE" altLang="fr-FR" dirty="0" err="1">
-                <a:solidFill>
-                  <a:schemeClr val="accent2"/>
-                </a:solidFill>
-              </a:rPr>
-              <a:t>x,y,z</a:t>
-            </a:r>
-            <a:r>
-              <a:rPr lang="fr-BE" altLang="fr-FR" dirty="0">
-                <a:solidFill>
-                  <a:schemeClr val="accent2"/>
-                </a:solidFill>
-              </a:rPr>
-              <a:t>: </a:t>
-            </a:r>
-            <a:r>
-              <a:rPr lang="fr-BE" altLang="fr-FR" dirty="0" err="1">
-                <a:solidFill>
-                  <a:schemeClr val="accent2"/>
-                </a:solidFill>
-              </a:rPr>
-              <a:t>x+y+z</a:t>
-            </a:r>
-            <a:endParaRPr lang="fr-BE" altLang="fr-FR" dirty="0">
-              <a:solidFill>
-                <a:schemeClr val="accent2"/>
-              </a:solidFill>
-            </a:endParaRPr>
-          </a:p>
-          <a:p>
-            <a:pPr lvl="1" eaLnBrk="1" hangingPunct="1"/>
-            <a:r>
-              <a:rPr lang="fr-BE" altLang="fr-FR" dirty="0">
-                <a:solidFill>
-                  <a:schemeClr val="accent2"/>
-                </a:solidFill>
-              </a:rPr>
-              <a:t>       f(2,3,4)</a:t>
-            </a:r>
-          </a:p>
-          <a:p>
-            <a:pPr lvl="1" eaLnBrk="1" hangingPunct="1"/>
-            <a:r>
-              <a:rPr lang="fr-BE" altLang="fr-FR" dirty="0"/>
-              <a:t>       ce qui donne : </a:t>
-            </a:r>
-            <a:r>
-              <a:rPr lang="fr-BE" altLang="fr-FR" dirty="0">
-                <a:solidFill>
-                  <a:schemeClr val="accent2"/>
-                </a:solidFill>
-              </a:rPr>
-              <a:t>9</a:t>
-            </a:r>
-            <a:r>
-              <a:rPr lang="fr-BE" altLang="fr-FR" dirty="0"/>
-              <a:t> </a:t>
-            </a:r>
-          </a:p>
-          <a:p>
-            <a:endParaRPr lang="fr-FR" dirty="0"/>
+              <a:t>Les fonctions sont manipulables comme tous les autres types</a:t>
+            </a:r>
           </a:p>
         </p:txBody>
       </p:sp>
+      <p:pic>
+        <p:nvPicPr>
+          <p:cNvPr id="4" name="Image 3"/>
+          <p:cNvPicPr>
+            <a:picLocks noChangeAspect="1"/>
+          </p:cNvPicPr>
+          <p:nvPr/>
+        </p:nvPicPr>
+        <p:blipFill>
+          <a:blip r:embed="rId2"/>
+          <a:stretch>
+            <a:fillRect/>
+          </a:stretch>
+        </p:blipFill>
+        <p:spPr>
+          <a:xfrm>
+            <a:off x="1381187" y="3356992"/>
+            <a:ext cx="6362700" cy="2276475"/>
+          </a:xfrm>
+          <a:prstGeom prst="rect">
+            <a:avLst/>
+          </a:prstGeom>
+        </p:spPr>
+      </p:pic>
     </p:spTree>
     <p:extLst>
       <p:ext uri="{BB962C8B-B14F-4D97-AF65-F5344CB8AC3E}">
-        <p14:creationId xmlns:p14="http://schemas.microsoft.com/office/powerpoint/2010/main" val="3470353668"/>
+        <p14:creationId xmlns:p14="http://schemas.microsoft.com/office/powerpoint/2010/main" val="1385247496"/>
+      </p:ext>
+    </p:extLst>
+  </p:cSld>
+  <p:clrMapOvr>
+    <a:masterClrMapping/>
+  </p:clrMapOvr>
+</p:sld>
+</file>
+
+<file path=ppt/slides/slide9.xml><?xml version="1.0" encoding="utf-8"?>
+<p:sld xmlns:a="http://schemas.openxmlformats.org/drawingml/2006/main" xmlns:r="http://schemas.openxmlformats.org/officeDocument/2006/relationships" xmlns:p="http://schemas.openxmlformats.org/presentationml/2006/main">
+  <p:cSld>
+    <p:spTree>
+      <p:nvGrpSpPr>
+        <p:cNvPr id="1" name=""/>
+        <p:cNvGrpSpPr/>
+        <p:nvPr/>
+      </p:nvGrpSpPr>
+      <p:grpSpPr>
+        <a:xfrm>
+          <a:off x="0" y="0"/>
+          <a:ext cx="0" cy="0"/>
+          <a:chOff x="0" y="0"/>
+          <a:chExt cx="0" cy="0"/>
+        </a:xfrm>
+      </p:grpSpPr>
+      <p:sp>
+        <p:nvSpPr>
+          <p:cNvPr id="2" name="Titre 1"/>
+          <p:cNvSpPr>
+            <a:spLocks noGrp="1"/>
+          </p:cNvSpPr>
+          <p:nvPr>
+            <p:ph type="title"/>
+          </p:nvPr>
+        </p:nvSpPr>
+        <p:spPr/>
+        <p:txBody>
+          <a:bodyPr/>
+          <a:lstStyle/>
+          <a:p>
+            <a:r>
+              <a:rPr lang="fr-FR" dirty="0"/>
+              <a:t>Callback</a:t>
+            </a:r>
+          </a:p>
+        </p:txBody>
+      </p:sp>
+      <p:sp>
+        <p:nvSpPr>
+          <p:cNvPr id="3" name="Espace réservé du contenu 2"/>
+          <p:cNvSpPr>
+            <a:spLocks noGrp="1"/>
+          </p:cNvSpPr>
+          <p:nvPr>
+            <p:ph idx="1"/>
+          </p:nvPr>
+        </p:nvSpPr>
+        <p:spPr/>
+        <p:txBody>
+          <a:bodyPr/>
+          <a:lstStyle/>
+          <a:p>
+            <a:r>
+              <a:rPr lang="fr-FR" dirty="0"/>
+              <a:t>Les fonctions peuvent être passée en paramètre d'une fonction → fonction de rappel (callback)</a:t>
+            </a:r>
+          </a:p>
+        </p:txBody>
+      </p:sp>
+      <p:pic>
+        <p:nvPicPr>
+          <p:cNvPr id="4" name="Image 3"/>
+          <p:cNvPicPr>
+            <a:picLocks noChangeAspect="1"/>
+          </p:cNvPicPr>
+          <p:nvPr/>
+        </p:nvPicPr>
+        <p:blipFill>
+          <a:blip r:embed="rId2"/>
+          <a:stretch>
+            <a:fillRect/>
+          </a:stretch>
+        </p:blipFill>
+        <p:spPr>
+          <a:xfrm>
+            <a:off x="1691680" y="2852936"/>
+            <a:ext cx="6305550" cy="2724150"/>
+          </a:xfrm>
+          <a:prstGeom prst="rect">
+            <a:avLst/>
+          </a:prstGeom>
+        </p:spPr>
+      </p:pic>
+    </p:spTree>
+    <p:extLst>
+      <p:ext uri="{BB962C8B-B14F-4D97-AF65-F5344CB8AC3E}">
+        <p14:creationId xmlns:p14="http://schemas.microsoft.com/office/powerpoint/2010/main" val="3178713497"/>
       </p:ext>
     </p:extLst>
   </p:cSld>

--- a/ppt/Python04-Functions.pptx
+++ b/ppt/Python04-Functions.pptx
@@ -4289,7 +4289,50 @@
             <a:pPr eaLnBrk="1" hangingPunct="1"/>
             <a:r>
               <a:rPr lang="fr-BE" altLang="fr-FR" dirty="0"/>
-              <a:t>Il est possible de définir des paramètres par défaut pour un ou plusieurs arguments. Ce qui crée une fonction qui pourra être appelée avec moins d’arguments que ce qui a été défini.</a:t>
+              <a:t>Il est possible de définir des paramètres par défaut pour un ou plusieurs arguments</a:t>
+            </a:r>
+          </a:p>
+          <a:p>
+            <a:pPr lvl="1" eaLnBrk="1" hangingPunct="1"/>
+            <a:r>
+              <a:rPr lang="fr-BE" altLang="fr-FR" dirty="0" err="1"/>
+              <a:t>def</a:t>
+            </a:r>
+            <a:r>
+              <a:rPr lang="fr-BE" altLang="fr-FR" dirty="0"/>
+              <a:t> </a:t>
+            </a:r>
+            <a:r>
+              <a:rPr lang="fr-BE" altLang="fr-FR" dirty="0" err="1"/>
+              <a:t>my_function</a:t>
+            </a:r>
+            <a:r>
+              <a:rPr lang="fr-BE" altLang="fr-FR" dirty="0"/>
+              <a:t> (</a:t>
+            </a:r>
+            <a:r>
+              <a:rPr lang="fr-BE" altLang="fr-FR" dirty="0" err="1"/>
+              <a:t>param_a</a:t>
+            </a:r>
+            <a:r>
+              <a:rPr lang="fr-BE" altLang="fr-FR" dirty="0"/>
+              <a:t>, </a:t>
+            </a:r>
+            <a:r>
+              <a:rPr lang="fr-BE" altLang="fr-FR" dirty="0" err="1"/>
+              <a:t>param_b</a:t>
+            </a:r>
+            <a:r>
+              <a:rPr lang="fr-BE" altLang="fr-FR" dirty="0"/>
+              <a:t>=1, </a:t>
+            </a:r>
+            <a:r>
+              <a:rPr lang="fr-BE" altLang="fr-FR" dirty="0" err="1"/>
+              <a:t>param_c</a:t>
+            </a:r>
+            <a:r>
+              <a:rPr lang="fr-BE" altLang="fr-FR" dirty="0"/>
+              <a:t>=2):</a:t>
             </a:r>
           </a:p>
           <a:p>
@@ -4297,227 +4340,101 @@
               <a:buNone/>
             </a:pPr>
             <a:r>
-              <a:rPr lang="fr-BE" altLang="fr-FR" dirty="0" err="1">
-                <a:solidFill>
-                  <a:schemeClr val="accent2"/>
-                </a:solidFill>
-              </a:rPr>
-              <a:t>def</a:t>
-            </a:r>
-            <a:r>
-              <a:rPr lang="fr-BE" altLang="fr-FR" dirty="0">
-                <a:solidFill>
-                  <a:schemeClr val="accent2"/>
-                </a:solidFill>
-              </a:rPr>
-              <a:t> perroquet (voltage, </a:t>
-            </a:r>
-            <a:r>
-              <a:rPr lang="fr-BE" altLang="fr-FR" dirty="0" err="1">
-                <a:solidFill>
-                  <a:schemeClr val="accent2"/>
-                </a:solidFill>
-              </a:rPr>
-              <a:t>etat</a:t>
-            </a:r>
-            <a:r>
-              <a:rPr lang="fr-BE" altLang="fr-FR" dirty="0">
-                <a:solidFill>
-                  <a:schemeClr val="accent2"/>
-                </a:solidFill>
-              </a:rPr>
-              <a:t>=‘c\’est du </a:t>
-            </a:r>
-            <a:r>
-              <a:rPr lang="fr-BE" altLang="fr-FR" dirty="0" err="1">
-                <a:solidFill>
-                  <a:schemeClr val="accent2"/>
-                </a:solidFill>
-              </a:rPr>
-              <a:t>solide’,action</a:t>
-            </a:r>
-            <a:r>
-              <a:rPr lang="fr-BE" altLang="fr-FR" dirty="0">
-                <a:solidFill>
-                  <a:schemeClr val="accent2"/>
-                </a:solidFill>
-              </a:rPr>
-              <a:t>=‘</a:t>
-            </a:r>
-            <a:r>
-              <a:rPr lang="fr-BE" altLang="fr-FR" dirty="0" err="1">
-                <a:solidFill>
-                  <a:schemeClr val="accent2"/>
-                </a:solidFill>
-              </a:rPr>
-              <a:t>voom</a:t>
-            </a:r>
-            <a:r>
-              <a:rPr lang="fr-BE" altLang="fr-FR" dirty="0">
-                <a:solidFill>
-                  <a:schemeClr val="accent2"/>
-                </a:solidFill>
-              </a:rPr>
-              <a:t>’):</a:t>
+              <a:rPr lang="fr-BE" altLang="fr-FR" dirty="0"/>
+              <a:t>                 </a:t>
+            </a:r>
+            <a:r>
+              <a:rPr lang="fr-BE" altLang="fr-FR" dirty="0" err="1"/>
+              <a:t>print</a:t>
+            </a:r>
+            <a:r>
+              <a:rPr lang="fr-BE" altLang="fr-FR" dirty="0"/>
+              <a:t>(</a:t>
+            </a:r>
+            <a:r>
+              <a:rPr lang="fr-BE" altLang="fr-FR" dirty="0" err="1"/>
+              <a:t>a,b,c</a:t>
+            </a:r>
+            <a:r>
+              <a:rPr lang="fr-BE" altLang="fr-FR" dirty="0"/>
+              <a:t>)</a:t>
+            </a:r>
+          </a:p>
+          <a:p>
+            <a:pPr eaLnBrk="1" hangingPunct="1"/>
+            <a:r>
+              <a:rPr lang="fr-BE" altLang="fr-FR" dirty="0"/>
+              <a:t>Ce qui crée une fonction qui pourra être appelée avec moins d’arguments que ce qui a été défini</a:t>
+            </a:r>
+          </a:p>
+          <a:p>
+            <a:pPr lvl="1" indent="-342900" eaLnBrk="1" hangingPunct="1"/>
+            <a:r>
+              <a:rPr lang="fr-BE" altLang="fr-FR" dirty="0" err="1"/>
+              <a:t>my_function</a:t>
+            </a:r>
+            <a:r>
+              <a:rPr lang="fr-BE" altLang="fr-FR" dirty="0"/>
+              <a:t> (0)</a:t>
+            </a:r>
+          </a:p>
+          <a:p>
+            <a:pPr lvl="1" indent="-342900" eaLnBrk="1" hangingPunct="1"/>
+            <a:r>
+              <a:rPr lang="fr-BE" altLang="fr-FR" dirty="0" err="1"/>
+              <a:t>my_function</a:t>
+            </a:r>
+            <a:r>
+              <a:rPr lang="fr-BE" altLang="fr-FR" dirty="0"/>
+              <a:t> (0,1,2)</a:t>
+            </a:r>
+          </a:p>
+          <a:p>
+            <a:pPr lvl="1" indent="-342900" eaLnBrk="1" hangingPunct="1"/>
+            <a:r>
+              <a:rPr lang="fr-BE" altLang="fr-FR" dirty="0" err="1"/>
+              <a:t>my_function</a:t>
+            </a:r>
+            <a:r>
+              <a:rPr lang="fr-BE" altLang="fr-FR" dirty="0"/>
+              <a:t> (</a:t>
+            </a:r>
+            <a:r>
+              <a:rPr lang="fr-BE" altLang="fr-FR" dirty="0" err="1"/>
+              <a:t>param_a</a:t>
+            </a:r>
+            <a:r>
+              <a:rPr lang="fr-BE" altLang="fr-FR" dirty="0"/>
+              <a:t>=0, </a:t>
+            </a:r>
+            <a:r>
+              <a:rPr lang="fr-BE" altLang="fr-FR" dirty="0" err="1"/>
+              <a:t>param_c</a:t>
+            </a:r>
+            <a:r>
+              <a:rPr lang="fr-BE" altLang="fr-FR" dirty="0"/>
+              <a:t>=3)</a:t>
             </a:r>
           </a:p>
           <a:p>
             <a:pPr marL="400050" lvl="1" indent="0" eaLnBrk="1" hangingPunct="1">
               <a:buNone/>
             </a:pPr>
-            <a:r>
-              <a:rPr lang="fr-BE" altLang="fr-FR" dirty="0">
-                <a:solidFill>
-                  <a:schemeClr val="accent2"/>
-                </a:solidFill>
-              </a:rPr>
-              <a:t>                 </a:t>
-            </a:r>
-            <a:r>
-              <a:rPr lang="fr-BE" altLang="fr-FR" dirty="0" err="1">
-                <a:solidFill>
-                  <a:schemeClr val="accent2"/>
-                </a:solidFill>
-              </a:rPr>
-              <a:t>print</a:t>
-            </a:r>
-            <a:r>
-              <a:rPr lang="fr-BE" altLang="fr-FR" dirty="0">
-                <a:solidFill>
-                  <a:schemeClr val="accent2"/>
-                </a:solidFill>
-              </a:rPr>
-              <a:t>  « -- Ce perroquet ne feras pas », action,</a:t>
-            </a:r>
+            <a:endParaRPr lang="fr-BE" altLang="fr-FR" dirty="0">
+              <a:solidFill>
+                <a:schemeClr val="accent2"/>
+              </a:solidFill>
+            </a:endParaRPr>
           </a:p>
           <a:p>
             <a:pPr marL="400050" lvl="1" indent="0" eaLnBrk="1" hangingPunct="1">
               <a:buNone/>
             </a:pPr>
-            <a:r>
-              <a:rPr lang="fr-BE" altLang="fr-FR" dirty="0">
-                <a:solidFill>
-                  <a:schemeClr val="accent2"/>
-                </a:solidFill>
-              </a:rPr>
-              <a:t>                 </a:t>
-            </a:r>
-            <a:r>
-              <a:rPr lang="fr-BE" altLang="fr-FR" dirty="0" err="1">
-                <a:solidFill>
-                  <a:schemeClr val="accent2"/>
-                </a:solidFill>
-              </a:rPr>
-              <a:t>print</a:t>
-            </a:r>
-            <a:r>
-              <a:rPr lang="fr-BE" altLang="fr-FR" dirty="0">
-                <a:solidFill>
-                  <a:schemeClr val="accent2"/>
-                </a:solidFill>
-              </a:rPr>
-              <a:t> « -- si vous le mettez sous », voltage,  « volts. »</a:t>
-            </a:r>
-          </a:p>
-          <a:p>
-            <a:pPr marL="400050" lvl="1" indent="0" eaLnBrk="1" hangingPunct="1">
-              <a:buNone/>
-            </a:pPr>
-            <a:r>
-              <a:rPr lang="fr-BE" altLang="fr-FR" dirty="0">
-                <a:solidFill>
-                  <a:schemeClr val="accent2"/>
-                </a:solidFill>
-              </a:rPr>
-              <a:t>                 </a:t>
-            </a:r>
-            <a:r>
-              <a:rPr lang="fr-BE" altLang="fr-FR" dirty="0" err="1">
-                <a:solidFill>
-                  <a:schemeClr val="accent2"/>
-                </a:solidFill>
-              </a:rPr>
-              <a:t>print</a:t>
-            </a:r>
-            <a:r>
-              <a:rPr lang="fr-BE" altLang="fr-FR" dirty="0">
-                <a:solidFill>
-                  <a:schemeClr val="accent2"/>
-                </a:solidFill>
-              </a:rPr>
-              <a:t> « --  Ca », </a:t>
-            </a:r>
-            <a:r>
-              <a:rPr lang="fr-BE" altLang="fr-FR" dirty="0" err="1">
-                <a:solidFill>
-                  <a:schemeClr val="accent2"/>
-                </a:solidFill>
-              </a:rPr>
-              <a:t>etat</a:t>
-            </a:r>
-            <a:r>
-              <a:rPr lang="fr-BE" altLang="fr-FR" dirty="0">
-                <a:solidFill>
-                  <a:schemeClr val="accent2"/>
-                </a:solidFill>
-              </a:rPr>
-              <a:t>, « ! »</a:t>
-            </a:r>
-          </a:p>
-          <a:p>
-            <a:pPr marL="400050" lvl="1" indent="0" eaLnBrk="1" hangingPunct="1">
-              <a:buNone/>
-            </a:pPr>
-            <a:r>
-              <a:rPr lang="fr-BE" altLang="fr-FR" dirty="0"/>
-              <a:t>         pourrait être appelé de l’une des façons suivantes : </a:t>
-            </a:r>
-          </a:p>
-          <a:p>
-            <a:pPr marL="400050" lvl="1" indent="0" eaLnBrk="1" hangingPunct="1">
-              <a:buNone/>
-            </a:pPr>
-            <a:r>
-              <a:rPr lang="fr-BE" altLang="fr-FR" dirty="0"/>
-              <a:t>         </a:t>
-            </a:r>
-            <a:r>
-              <a:rPr lang="fr-BE" altLang="fr-FR" dirty="0">
-                <a:solidFill>
-                  <a:schemeClr val="accent2"/>
-                </a:solidFill>
-              </a:rPr>
-              <a:t>perroquet (1000)</a:t>
-            </a:r>
-          </a:p>
-          <a:p>
-            <a:pPr marL="400050" lvl="1" indent="0" eaLnBrk="1" hangingPunct="1">
-              <a:buNone/>
-            </a:pPr>
-            <a:r>
-              <a:rPr lang="fr-BE" altLang="fr-FR" dirty="0">
-                <a:solidFill>
-                  <a:schemeClr val="accent2"/>
-                </a:solidFill>
-              </a:rPr>
-              <a:t>         perroquet (action = ‘</a:t>
-            </a:r>
-            <a:r>
-              <a:rPr lang="fr-BE" altLang="fr-FR" dirty="0" err="1">
-                <a:solidFill>
-                  <a:schemeClr val="accent2"/>
-                </a:solidFill>
-              </a:rPr>
-              <a:t>vooooooom</a:t>
-            </a:r>
-            <a:r>
-              <a:rPr lang="fr-BE" altLang="fr-FR" dirty="0">
-                <a:solidFill>
-                  <a:schemeClr val="accent2"/>
-                </a:solidFill>
-              </a:rPr>
-              <a:t>’, voltage = 1000000)</a:t>
-            </a:r>
+            <a:endParaRPr lang="fr-BE" altLang="fr-FR" dirty="0">
+              <a:solidFill>
+                <a:schemeClr val="accent2"/>
+              </a:solidFill>
+            </a:endParaRPr>
           </a:p>
         </p:txBody>
       </p:sp>
@@ -4587,12 +4504,6 @@
         <p:txBody>
           <a:bodyPr/>
           <a:lstStyle/>
-          <a:p>
-            <a:r>
-              <a:rPr lang="fr-FR" dirty="0"/>
-              <a:t>Nouveau en Python 3.6</a:t>
-            </a:r>
-          </a:p>
           <a:p>
             <a:r>
               <a:rPr lang="fr-FR" dirty="0"/>
